--- a/Mobile_Price_Prediction-finalIncrement.pptx
+++ b/Mobile_Price_Prediction-finalIncrement.pptx
@@ -6,9 +6,9 @@
   </p:sldMasterIdLst>
   <p:sldIdLst>
     <p:sldId id="257" r:id="rId2"/>
-    <p:sldId id="258" r:id="rId3"/>
-    <p:sldId id="259" r:id="rId4"/>
-    <p:sldId id="260" r:id="rId5"/>
+    <p:sldId id="259" r:id="rId3"/>
+    <p:sldId id="260" r:id="rId4"/>
+    <p:sldId id="258" r:id="rId5"/>
     <p:sldId id="261" r:id="rId6"/>
     <p:sldId id="262" r:id="rId7"/>
     <p:sldId id="263" r:id="rId8"/>
@@ -112,7 +112,33 @@
       </a:defRPr>
     </a:lvl9pPr>
   </p:defaultTextStyle>
+  <p:extLst>
+    <p:ext uri="{EFAFB233-063F-42B5-8137-9DF3F51BA10A}">
+      <p15:sldGuideLst xmlns:p15="http://schemas.microsoft.com/office/powerpoint/2012/main"/>
+    </p:ext>
+  </p:extLst>
 </p:presentation>
+</file>
+
+<file path=ppt/changesInfos/changesInfo1.xml><?xml version="1.0" encoding="utf-8"?>
+<pc:chgInfo xmlns:a="http://schemas.openxmlformats.org/drawingml/2006/main" xmlns:r="http://schemas.openxmlformats.org/officeDocument/2006/relationships" xmlns:ac="http://schemas.microsoft.com/office/drawing/2013/main/command" xmlns:pc="http://schemas.microsoft.com/office/powerpoint/2013/main/command">
+  <pc:docChgLst>
+    <pc:chgData name="Maruthi Pavan Surya Kande" userId="2f8da25234f4fbb8" providerId="LiveId" clId="{2F5CDBD9-8171-477F-9C21-64365B6F0309}"/>
+    <pc:docChg chg="modSld sldOrd">
+      <pc:chgData name="Maruthi Pavan Surya Kande" userId="2f8da25234f4fbb8" providerId="LiveId" clId="{2F5CDBD9-8171-477F-9C21-64365B6F0309}" dt="2023-04-28T16:11:56.135" v="1"/>
+      <pc:docMkLst>
+        <pc:docMk/>
+      </pc:docMkLst>
+      <pc:sldChg chg="ord">
+        <pc:chgData name="Maruthi Pavan Surya Kande" userId="2f8da25234f4fbb8" providerId="LiveId" clId="{2F5CDBD9-8171-477F-9C21-64365B6F0309}" dt="2023-04-28T16:11:56.135" v="1"/>
+        <pc:sldMkLst>
+          <pc:docMk/>
+          <pc:sldMk cId="2420137175" sldId="258"/>
+        </pc:sldMkLst>
+      </pc:sldChg>
+    </pc:docChg>
+  </pc:docChgLst>
+</pc:chgInfo>
 </file>
 
 <file path=ppt/diagrams/colors1.xml><?xml version="1.0" encoding="utf-8"?>
@@ -11483,7 +11509,7 @@
           <a:p>
             <a:fld id="{8F72BA41-EC5B-4197-BCC8-0FD2E523CD7A}" type="datetimeFigureOut">
               <a:rPr lang="en-US" smtClean="0"/>
-              <a:t>4/27/2023</a:t>
+              <a:t>4/28/2023</a:t>
             </a:fld>
             <a:endParaRPr lang="en-US"/>
           </a:p>
@@ -11686,7 +11712,7 @@
           <a:p>
             <a:fld id="{8F72BA41-EC5B-4197-BCC8-0FD2E523CD7A}" type="datetimeFigureOut">
               <a:rPr lang="en-US" smtClean="0"/>
-              <a:t>4/27/2023</a:t>
+              <a:t>4/28/2023</a:t>
             </a:fld>
             <a:endParaRPr lang="en-US"/>
           </a:p>
@@ -13407,7 +13433,7 @@
           <a:p>
             <a:fld id="{8F72BA41-EC5B-4197-BCC8-0FD2E523CD7A}" type="datetimeFigureOut">
               <a:rPr lang="en-US" smtClean="0"/>
-              <a:t>4/27/2023</a:t>
+              <a:t>4/28/2023</a:t>
             </a:fld>
             <a:endParaRPr lang="en-US"/>
           </a:p>
@@ -13606,7 +13632,7 @@
           <a:p>
             <a:fld id="{8F72BA41-EC5B-4197-BCC8-0FD2E523CD7A}" type="datetimeFigureOut">
               <a:rPr lang="en-US" smtClean="0"/>
-              <a:t>4/27/2023</a:t>
+              <a:t>4/28/2023</a:t>
             </a:fld>
             <a:endParaRPr lang="en-US"/>
           </a:p>
@@ -15396,7 +15422,7 @@
           <a:p>
             <a:fld id="{8F72BA41-EC5B-4197-BCC8-0FD2E523CD7A}" type="datetimeFigureOut">
               <a:rPr lang="en-US" smtClean="0"/>
-              <a:t>4/27/2023</a:t>
+              <a:t>4/28/2023</a:t>
             </a:fld>
             <a:endParaRPr lang="en-US"/>
           </a:p>
@@ -15669,7 +15695,7 @@
           <a:p>
             <a:fld id="{8F72BA41-EC5B-4197-BCC8-0FD2E523CD7A}" type="datetimeFigureOut">
               <a:rPr lang="en-US" smtClean="0"/>
-              <a:t>4/27/2023</a:t>
+              <a:t>4/28/2023</a:t>
             </a:fld>
             <a:endParaRPr lang="en-US"/>
           </a:p>
@@ -16089,7 +16115,7 @@
           <a:p>
             <a:fld id="{8F72BA41-EC5B-4197-BCC8-0FD2E523CD7A}" type="datetimeFigureOut">
               <a:rPr lang="en-US" smtClean="0"/>
-              <a:t>4/27/2023</a:t>
+              <a:t>4/28/2023</a:t>
             </a:fld>
             <a:endParaRPr lang="en-US"/>
           </a:p>
@@ -16245,7 +16271,7 @@
           <a:p>
             <a:fld id="{8F72BA41-EC5B-4197-BCC8-0FD2E523CD7A}" type="datetimeFigureOut">
               <a:rPr lang="en-US" smtClean="0"/>
-              <a:t>4/27/2023</a:t>
+              <a:t>4/28/2023</a:t>
             </a:fld>
             <a:endParaRPr lang="en-US"/>
           </a:p>
@@ -17813,7 +17839,7 @@
           <a:p>
             <a:fld id="{8F72BA41-EC5B-4197-BCC8-0FD2E523CD7A}" type="datetimeFigureOut">
               <a:rPr lang="en-US" smtClean="0"/>
-              <a:t>4/27/2023</a:t>
+              <a:t>4/28/2023</a:t>
             </a:fld>
             <a:endParaRPr lang="en-US"/>
           </a:p>
@@ -19664,7 +19690,7 @@
           <a:p>
             <a:fld id="{8F72BA41-EC5B-4197-BCC8-0FD2E523CD7A}" type="datetimeFigureOut">
               <a:rPr lang="en-US" smtClean="0"/>
-              <a:t>4/27/2023</a:t>
+              <a:t>4/28/2023</a:t>
             </a:fld>
             <a:endParaRPr lang="en-US"/>
           </a:p>
@@ -21477,7 +21503,7 @@
           <a:p>
             <a:fld id="{8F72BA41-EC5B-4197-BCC8-0FD2E523CD7A}" type="datetimeFigureOut">
               <a:rPr lang="en-US" smtClean="0"/>
-              <a:t>4/27/2023</a:t>
+              <a:t>4/28/2023</a:t>
             </a:fld>
             <a:endParaRPr lang="en-US"/>
           </a:p>
@@ -23171,7 +23197,7 @@
             <a:fld id="{8F72BA41-EC5B-4197-BCC8-0FD2E523CD7A}" type="datetimeFigureOut">
               <a:rPr lang="en-US" smtClean="0"/>
               <a:pPr/>
-              <a:t>4/27/2023</a:t>
+              <a:t>4/28/2023</a:t>
             </a:fld>
             <a:endParaRPr lang="en-US" dirty="0"/>
           </a:p>
@@ -25891,2035 +25917,6 @@
       </p:grpSpPr>
       <p:sp useBgFill="1">
         <p:nvSpPr>
-          <p:cNvPr id="9" name="Rectangle 8">
-            <a:extLst>
-              <a:ext uri="{FF2B5EF4-FFF2-40B4-BE49-F238E27FC236}">
-                <a16:creationId xmlns:a16="http://schemas.microsoft.com/office/drawing/2014/main" id="{9663BDD8-36FC-48B0-8862-3B51BE4F77DA}"/>
-              </a:ext>
-              <a:ext uri="{C183D7F6-B498-43B3-948B-1728B52AA6E4}">
-                <adec:decorative xmlns:adec="http://schemas.microsoft.com/office/drawing/2017/decorative" val="1"/>
-              </a:ext>
-            </a:extLst>
-          </p:cNvPr>
-          <p:cNvSpPr>
-            <a:spLocks noGrp="1" noRot="1" noChangeAspect="1" noMove="1" noResize="1" noEditPoints="1" noAdjustHandles="1" noChangeArrowheads="1" noChangeShapeType="1" noTextEdit="1"/>
-          </p:cNvSpPr>
-          <p:nvPr>
-            <p:extLst>
-              <p:ext uri="{386F3935-93C4-4BCD-93E2-E3B085C9AB24}">
-                <p16:designElem xmlns:p16="http://schemas.microsoft.com/office/powerpoint/2015/main" val="1"/>
-              </p:ext>
-            </p:extLst>
-          </p:nvPr>
-        </p:nvSpPr>
-        <p:spPr>
-          <a:xfrm>
-            <a:off x="0" y="0"/>
-            <a:ext cx="12208613" cy="6858000"/>
-          </a:xfrm>
-          <a:prstGeom prst="rect">
-            <a:avLst/>
-          </a:prstGeom>
-          <a:ln>
-            <a:noFill/>
-          </a:ln>
-        </p:spPr>
-        <p:style>
-          <a:lnRef idx="2">
-            <a:schemeClr val="accent1">
-              <a:shade val="50000"/>
-            </a:schemeClr>
-          </a:lnRef>
-          <a:fillRef idx="1">
-            <a:schemeClr val="accent1"/>
-          </a:fillRef>
-          <a:effectRef idx="0">
-            <a:schemeClr val="accent1"/>
-          </a:effectRef>
-          <a:fontRef idx="minor">
-            <a:schemeClr val="lt1"/>
-          </a:fontRef>
-        </p:style>
-        <p:txBody>
-          <a:bodyPr rtlCol="0" anchor="ctr"/>
-          <a:lstStyle/>
-          <a:p>
-            <a:pPr marL="0" marR="0" lvl="0" indent="0" algn="ctr" defTabSz="914400" rtl="0" eaLnBrk="1" fontAlgn="auto" latinLnBrk="0" hangingPunct="1">
-              <a:lnSpc>
-                <a:spcPct val="100000"/>
-              </a:lnSpc>
-              <a:spcBef>
-                <a:spcPts val="0"/>
-              </a:spcBef>
-              <a:spcAft>
-                <a:spcPts val="0"/>
-              </a:spcAft>
-              <a:buClrTx/>
-              <a:buSzTx/>
-              <a:buFontTx/>
-              <a:buNone/>
-              <a:tabLst/>
-              <a:defRPr/>
-            </a:pPr>
-            <a:endParaRPr kumimoji="0" lang="en-US" sz="1800" b="0" i="0" u="none" strike="noStrike" kern="1200" cap="none" spc="0" normalizeH="0" baseline="0" noProof="0">
-              <a:ln>
-                <a:noFill/>
-              </a:ln>
-              <a:solidFill>
-                <a:srgbClr val="FFFFFF"/>
-              </a:solidFill>
-              <a:effectLst/>
-              <a:uLnTx/>
-              <a:uFillTx/>
-              <a:latin typeface="Grandview"/>
-              <a:ea typeface="+mn-ea"/>
-              <a:cs typeface="+mn-cs"/>
-            </a:endParaRPr>
-          </a:p>
-        </p:txBody>
-      </p:sp>
-      <p:grpSp>
-        <p:nvGrpSpPr>
-          <p:cNvPr id="11" name="Group 10">
-            <a:extLst>
-              <a:ext uri="{FF2B5EF4-FFF2-40B4-BE49-F238E27FC236}">
-                <a16:creationId xmlns:a16="http://schemas.microsoft.com/office/drawing/2014/main" id="{C15A19D0-2BD2-47E7-A51B-B8083A14E791}"/>
-              </a:ext>
-              <a:ext uri="{C183D7F6-B498-43B3-948B-1728B52AA6E4}">
-                <adec:decorative xmlns:adec="http://schemas.microsoft.com/office/drawing/2017/decorative" val="1"/>
-              </a:ext>
-            </a:extLst>
-          </p:cNvPr>
-          <p:cNvGrpSpPr>
-            <a:grpSpLocks noGrp="1" noUngrp="1" noRot="1" noChangeAspect="1" noMove="1" noResize="1"/>
-          </p:cNvGrpSpPr>
-          <p:nvPr>
-            <p:extLst>
-              <p:ext uri="{386F3935-93C4-4BCD-93E2-E3B085C9AB24}">
-                <p16:designElem xmlns:p16="http://schemas.microsoft.com/office/powerpoint/2015/main" val="1"/>
-              </p:ext>
-            </p:extLst>
-          </p:nvPr>
-        </p:nvGrpSpPr>
-        <p:grpSpPr>
-          <a:xfrm>
-            <a:off x="-6214" y="-1"/>
-            <a:ext cx="12214827" cy="6858000"/>
-            <a:chOff x="-6214" y="-1"/>
-            <a:chExt cx="12214827" cy="6858000"/>
-          </a:xfrm>
-        </p:grpSpPr>
-        <p:cxnSp>
-          <p:nvCxnSpPr>
-            <p:cNvPr id="12" name="Straight Connector 11">
-              <a:extLst>
-                <a:ext uri="{FF2B5EF4-FFF2-40B4-BE49-F238E27FC236}">
-                  <a16:creationId xmlns:a16="http://schemas.microsoft.com/office/drawing/2014/main" id="{F6641F14-42D8-42E0-8B56-FC0A08EB2E64}"/>
-                </a:ext>
-                <a:ext uri="{C183D7F6-B498-43B3-948B-1728B52AA6E4}">
-                  <adec:decorative xmlns:adec="http://schemas.microsoft.com/office/drawing/2017/decorative" val="1"/>
-                </a:ext>
-              </a:extLst>
-            </p:cNvPr>
-            <p:cNvCxnSpPr>
-              <a:cxnSpLocks/>
-            </p:cNvCxnSpPr>
-            <p:nvPr>
-              <p:extLst>
-                <p:ext uri="{386F3935-93C4-4BCD-93E2-E3B085C9AB24}">
-                  <p16:designElem xmlns:p16="http://schemas.microsoft.com/office/powerpoint/2015/main" val="1"/>
-                </p:ext>
-              </p:extLst>
-            </p:nvPr>
-          </p:nvCxnSpPr>
-          <p:spPr>
-            <a:xfrm>
-              <a:off x="-6214" y="6686283"/>
-              <a:ext cx="12192000" cy="0"/>
-            </a:xfrm>
-            <a:prstGeom prst="line">
-              <a:avLst/>
-            </a:prstGeom>
-            <a:ln w="12700">
-              <a:solidFill>
-                <a:srgbClr val="BCBCBC">
-                  <a:alpha val="29804"/>
-                </a:srgbClr>
-              </a:solidFill>
-              <a:prstDash val="sysDot"/>
-            </a:ln>
-          </p:spPr>
-          <p:style>
-            <a:lnRef idx="1">
-              <a:schemeClr val="accent1"/>
-            </a:lnRef>
-            <a:fillRef idx="0">
-              <a:schemeClr val="accent1"/>
-            </a:fillRef>
-            <a:effectRef idx="0">
-              <a:schemeClr val="accent1"/>
-            </a:effectRef>
-            <a:fontRef idx="minor">
-              <a:schemeClr val="tx1"/>
-            </a:fontRef>
-          </p:style>
-        </p:cxnSp>
-        <p:cxnSp>
-          <p:nvCxnSpPr>
-            <p:cNvPr id="13" name="Straight Connector 12">
-              <a:extLst>
-                <a:ext uri="{FF2B5EF4-FFF2-40B4-BE49-F238E27FC236}">
-                  <a16:creationId xmlns:a16="http://schemas.microsoft.com/office/drawing/2014/main" id="{3F3FEF18-8973-49F1-B984-81E630730368}"/>
-                </a:ext>
-                <a:ext uri="{C183D7F6-B498-43B3-948B-1728B52AA6E4}">
-                  <adec:decorative xmlns:adec="http://schemas.microsoft.com/office/drawing/2017/decorative" val="1"/>
-                </a:ext>
-              </a:extLst>
-            </p:cNvPr>
-            <p:cNvCxnSpPr>
-              <a:cxnSpLocks/>
-            </p:cNvCxnSpPr>
-            <p:nvPr>
-              <p:extLst>
-                <p:ext uri="{386F3935-93C4-4BCD-93E2-E3B085C9AB24}">
-                  <p16:designElem xmlns:p16="http://schemas.microsoft.com/office/powerpoint/2015/main" val="1"/>
-                </p:ext>
-              </p:extLst>
-            </p:nvPr>
-          </p:nvCxnSpPr>
-          <p:spPr>
-            <a:xfrm>
-              <a:off x="0" y="-1"/>
-              <a:ext cx="0" cy="6858000"/>
-            </a:xfrm>
-            <a:prstGeom prst="line">
-              <a:avLst/>
-            </a:prstGeom>
-            <a:ln w="12700">
-              <a:solidFill>
-                <a:srgbClr val="BCBCBC">
-                  <a:alpha val="29804"/>
-                </a:srgbClr>
-              </a:solidFill>
-              <a:prstDash val="sysDot"/>
-            </a:ln>
-          </p:spPr>
-          <p:style>
-            <a:lnRef idx="1">
-              <a:schemeClr val="accent1"/>
-            </a:lnRef>
-            <a:fillRef idx="0">
-              <a:schemeClr val="accent1"/>
-            </a:fillRef>
-            <a:effectRef idx="0">
-              <a:schemeClr val="accent1"/>
-            </a:effectRef>
-            <a:fontRef idx="minor">
-              <a:schemeClr val="tx1"/>
-            </a:fontRef>
-          </p:style>
-        </p:cxnSp>
-        <p:cxnSp>
-          <p:nvCxnSpPr>
-            <p:cNvPr id="14" name="Straight Connector 13">
-              <a:extLst>
-                <a:ext uri="{FF2B5EF4-FFF2-40B4-BE49-F238E27FC236}">
-                  <a16:creationId xmlns:a16="http://schemas.microsoft.com/office/drawing/2014/main" id="{28FEE187-7ECD-4C55-BE26-0DA3DDE0ED9B}"/>
-                </a:ext>
-                <a:ext uri="{C183D7F6-B498-43B3-948B-1728B52AA6E4}">
-                  <adec:decorative xmlns:adec="http://schemas.microsoft.com/office/drawing/2017/decorative" val="1"/>
-                </a:ext>
-              </a:extLst>
-            </p:cNvPr>
-            <p:cNvCxnSpPr>
-              <a:cxnSpLocks/>
-            </p:cNvCxnSpPr>
-            <p:nvPr>
-              <p:extLst>
-                <p:ext uri="{386F3935-93C4-4BCD-93E2-E3B085C9AB24}">
-                  <p16:designElem xmlns:p16="http://schemas.microsoft.com/office/powerpoint/2015/main" val="1"/>
-                </p:ext>
-              </p:extLst>
-            </p:nvPr>
-          </p:nvCxnSpPr>
-          <p:spPr>
-            <a:xfrm>
-              <a:off x="11993258" y="-1"/>
-              <a:ext cx="0" cy="6858000"/>
-            </a:xfrm>
-            <a:prstGeom prst="line">
-              <a:avLst/>
-            </a:prstGeom>
-            <a:ln w="12700">
-              <a:solidFill>
-                <a:srgbClr val="BCBCBC">
-                  <a:alpha val="29804"/>
-                </a:srgbClr>
-              </a:solidFill>
-              <a:prstDash val="sysDot"/>
-            </a:ln>
-          </p:spPr>
-          <p:style>
-            <a:lnRef idx="1">
-              <a:schemeClr val="accent1"/>
-            </a:lnRef>
-            <a:fillRef idx="0">
-              <a:schemeClr val="accent1"/>
-            </a:fillRef>
-            <a:effectRef idx="0">
-              <a:schemeClr val="accent1"/>
-            </a:effectRef>
-            <a:fontRef idx="minor">
-              <a:schemeClr val="tx1"/>
-            </a:fontRef>
-          </p:style>
-        </p:cxnSp>
-        <p:cxnSp>
-          <p:nvCxnSpPr>
-            <p:cNvPr id="15" name="Straight Connector 14">
-              <a:extLst>
-                <a:ext uri="{FF2B5EF4-FFF2-40B4-BE49-F238E27FC236}">
-                  <a16:creationId xmlns:a16="http://schemas.microsoft.com/office/drawing/2014/main" id="{38708818-667C-4218-8552-2975EB0047EE}"/>
-                </a:ext>
-                <a:ext uri="{C183D7F6-B498-43B3-948B-1728B52AA6E4}">
-                  <adec:decorative xmlns:adec="http://schemas.microsoft.com/office/drawing/2017/decorative" val="1"/>
-                </a:ext>
-              </a:extLst>
-            </p:cNvPr>
-            <p:cNvCxnSpPr>
-              <a:cxnSpLocks/>
-            </p:cNvCxnSpPr>
-            <p:nvPr>
-              <p:extLst>
-                <p:ext uri="{386F3935-93C4-4BCD-93E2-E3B085C9AB24}">
-                  <p16:designElem xmlns:p16="http://schemas.microsoft.com/office/powerpoint/2015/main" val="1"/>
-                </p:ext>
-              </p:extLst>
-            </p:nvPr>
-          </p:nvCxnSpPr>
-          <p:spPr>
-            <a:xfrm>
-              <a:off x="192528" y="-1"/>
-              <a:ext cx="0" cy="6858000"/>
-            </a:xfrm>
-            <a:prstGeom prst="line">
-              <a:avLst/>
-            </a:prstGeom>
-            <a:ln w="12700">
-              <a:solidFill>
-                <a:srgbClr val="BCBCBC">
-                  <a:alpha val="29804"/>
-                </a:srgbClr>
-              </a:solidFill>
-              <a:prstDash val="sysDot"/>
-            </a:ln>
-          </p:spPr>
-          <p:style>
-            <a:lnRef idx="1">
-              <a:schemeClr val="accent1"/>
-            </a:lnRef>
-            <a:fillRef idx="0">
-              <a:schemeClr val="accent1"/>
-            </a:fillRef>
-            <a:effectRef idx="0">
-              <a:schemeClr val="accent1"/>
-            </a:effectRef>
-            <a:fontRef idx="minor">
-              <a:schemeClr val="tx1"/>
-            </a:fontRef>
-          </p:style>
-        </p:cxnSp>
-        <p:cxnSp>
-          <p:nvCxnSpPr>
-            <p:cNvPr id="16" name="Straight Connector 15">
-              <a:extLst>
-                <a:ext uri="{FF2B5EF4-FFF2-40B4-BE49-F238E27FC236}">
-                  <a16:creationId xmlns:a16="http://schemas.microsoft.com/office/drawing/2014/main" id="{2FA1A626-67CE-4E24-974F-C432A21D1DE9}"/>
-                </a:ext>
-                <a:ext uri="{C183D7F6-B498-43B3-948B-1728B52AA6E4}">
-                  <adec:decorative xmlns:adec="http://schemas.microsoft.com/office/drawing/2017/decorative" val="1"/>
-                </a:ext>
-              </a:extLst>
-            </p:cNvPr>
-            <p:cNvCxnSpPr>
-              <a:cxnSpLocks/>
-            </p:cNvCxnSpPr>
-            <p:nvPr>
-              <p:extLst>
-                <p:ext uri="{386F3935-93C4-4BCD-93E2-E3B085C9AB24}">
-                  <p16:designElem xmlns:p16="http://schemas.microsoft.com/office/powerpoint/2015/main" val="1"/>
-                </p:ext>
-              </p:extLst>
-            </p:nvPr>
-          </p:nvCxnSpPr>
-          <p:spPr>
-            <a:xfrm>
-              <a:off x="1175922" y="-1"/>
-              <a:ext cx="0" cy="6858000"/>
-            </a:xfrm>
-            <a:prstGeom prst="line">
-              <a:avLst/>
-            </a:prstGeom>
-            <a:ln w="12700">
-              <a:solidFill>
-                <a:srgbClr val="BCBCBC">
-                  <a:alpha val="29804"/>
-                </a:srgbClr>
-              </a:solidFill>
-              <a:prstDash val="sysDot"/>
-            </a:ln>
-          </p:spPr>
-          <p:style>
-            <a:lnRef idx="1">
-              <a:schemeClr val="accent1"/>
-            </a:lnRef>
-            <a:fillRef idx="0">
-              <a:schemeClr val="accent1"/>
-            </a:fillRef>
-            <a:effectRef idx="0">
-              <a:schemeClr val="accent1"/>
-            </a:effectRef>
-            <a:fontRef idx="minor">
-              <a:schemeClr val="tx1"/>
-            </a:fontRef>
-          </p:style>
-        </p:cxnSp>
-        <p:cxnSp>
-          <p:nvCxnSpPr>
-            <p:cNvPr id="17" name="Straight Connector 16">
-              <a:extLst>
-                <a:ext uri="{FF2B5EF4-FFF2-40B4-BE49-F238E27FC236}">
-                  <a16:creationId xmlns:a16="http://schemas.microsoft.com/office/drawing/2014/main" id="{70029D28-01D8-4EB8-B30C-79D6F14E6CB5}"/>
-                </a:ext>
-                <a:ext uri="{C183D7F6-B498-43B3-948B-1728B52AA6E4}">
-                  <adec:decorative xmlns:adec="http://schemas.microsoft.com/office/drawing/2017/decorative" val="1"/>
-                </a:ext>
-              </a:extLst>
-            </p:cNvPr>
-            <p:cNvCxnSpPr>
-              <a:cxnSpLocks/>
-            </p:cNvCxnSpPr>
-            <p:nvPr>
-              <p:extLst>
-                <p:ext uri="{386F3935-93C4-4BCD-93E2-E3B085C9AB24}">
-                  <p16:designElem xmlns:p16="http://schemas.microsoft.com/office/powerpoint/2015/main" val="1"/>
-                </p:ext>
-              </p:extLst>
-            </p:nvPr>
-          </p:nvCxnSpPr>
-          <p:spPr>
-            <a:xfrm>
-              <a:off x="2159316" y="-1"/>
-              <a:ext cx="0" cy="6858000"/>
-            </a:xfrm>
-            <a:prstGeom prst="line">
-              <a:avLst/>
-            </a:prstGeom>
-            <a:ln w="12700">
-              <a:solidFill>
-                <a:srgbClr val="BCBCBC">
-                  <a:alpha val="29804"/>
-                </a:srgbClr>
-              </a:solidFill>
-              <a:prstDash val="sysDot"/>
-            </a:ln>
-          </p:spPr>
-          <p:style>
-            <a:lnRef idx="1">
-              <a:schemeClr val="accent1"/>
-            </a:lnRef>
-            <a:fillRef idx="0">
-              <a:schemeClr val="accent1"/>
-            </a:fillRef>
-            <a:effectRef idx="0">
-              <a:schemeClr val="accent1"/>
-            </a:effectRef>
-            <a:fontRef idx="minor">
-              <a:schemeClr val="tx1"/>
-            </a:fontRef>
-          </p:style>
-        </p:cxnSp>
-        <p:cxnSp>
-          <p:nvCxnSpPr>
-            <p:cNvPr id="18" name="Straight Connector 17">
-              <a:extLst>
-                <a:ext uri="{FF2B5EF4-FFF2-40B4-BE49-F238E27FC236}">
-                  <a16:creationId xmlns:a16="http://schemas.microsoft.com/office/drawing/2014/main" id="{124E501C-EBFD-4E76-8F7F-9EFA76EFFD78}"/>
-                </a:ext>
-                <a:ext uri="{C183D7F6-B498-43B3-948B-1728B52AA6E4}">
-                  <adec:decorative xmlns:adec="http://schemas.microsoft.com/office/drawing/2017/decorative" val="1"/>
-                </a:ext>
-              </a:extLst>
-            </p:cNvPr>
-            <p:cNvCxnSpPr>
-              <a:cxnSpLocks/>
-            </p:cNvCxnSpPr>
-            <p:nvPr>
-              <p:extLst>
-                <p:ext uri="{386F3935-93C4-4BCD-93E2-E3B085C9AB24}">
-                  <p16:designElem xmlns:p16="http://schemas.microsoft.com/office/powerpoint/2015/main" val="1"/>
-                </p:ext>
-              </p:extLst>
-            </p:nvPr>
-          </p:nvCxnSpPr>
-          <p:spPr>
-            <a:xfrm>
-              <a:off x="3142710" y="-1"/>
-              <a:ext cx="0" cy="6858000"/>
-            </a:xfrm>
-            <a:prstGeom prst="line">
-              <a:avLst/>
-            </a:prstGeom>
-            <a:ln w="12700">
-              <a:solidFill>
-                <a:srgbClr val="BCBCBC">
-                  <a:alpha val="29804"/>
-                </a:srgbClr>
-              </a:solidFill>
-              <a:prstDash val="sysDot"/>
-            </a:ln>
-          </p:spPr>
-          <p:style>
-            <a:lnRef idx="1">
-              <a:schemeClr val="accent1"/>
-            </a:lnRef>
-            <a:fillRef idx="0">
-              <a:schemeClr val="accent1"/>
-            </a:fillRef>
-            <a:effectRef idx="0">
-              <a:schemeClr val="accent1"/>
-            </a:effectRef>
-            <a:fontRef idx="minor">
-              <a:schemeClr val="tx1"/>
-            </a:fontRef>
-          </p:style>
-        </p:cxnSp>
-        <p:cxnSp>
-          <p:nvCxnSpPr>
-            <p:cNvPr id="19" name="Straight Connector 18">
-              <a:extLst>
-                <a:ext uri="{FF2B5EF4-FFF2-40B4-BE49-F238E27FC236}">
-                  <a16:creationId xmlns:a16="http://schemas.microsoft.com/office/drawing/2014/main" id="{404596B9-52A8-4717-8158-2204F86D95B1}"/>
-                </a:ext>
-                <a:ext uri="{C183D7F6-B498-43B3-948B-1728B52AA6E4}">
-                  <adec:decorative xmlns:adec="http://schemas.microsoft.com/office/drawing/2017/decorative" val="1"/>
-                </a:ext>
-              </a:extLst>
-            </p:cNvPr>
-            <p:cNvCxnSpPr>
-              <a:cxnSpLocks/>
-            </p:cNvCxnSpPr>
-            <p:nvPr>
-              <p:extLst>
-                <p:ext uri="{386F3935-93C4-4BCD-93E2-E3B085C9AB24}">
-                  <p16:designElem xmlns:p16="http://schemas.microsoft.com/office/powerpoint/2015/main" val="1"/>
-                </p:ext>
-              </p:extLst>
-            </p:nvPr>
-          </p:nvCxnSpPr>
-          <p:spPr>
-            <a:xfrm>
-              <a:off x="4126104" y="-1"/>
-              <a:ext cx="0" cy="6858000"/>
-            </a:xfrm>
-            <a:prstGeom prst="line">
-              <a:avLst/>
-            </a:prstGeom>
-            <a:ln w="12700">
-              <a:solidFill>
-                <a:srgbClr val="BCBCBC">
-                  <a:alpha val="29804"/>
-                </a:srgbClr>
-              </a:solidFill>
-              <a:prstDash val="sysDot"/>
-            </a:ln>
-          </p:spPr>
-          <p:style>
-            <a:lnRef idx="1">
-              <a:schemeClr val="accent1"/>
-            </a:lnRef>
-            <a:fillRef idx="0">
-              <a:schemeClr val="accent1"/>
-            </a:fillRef>
-            <a:effectRef idx="0">
-              <a:schemeClr val="accent1"/>
-            </a:effectRef>
-            <a:fontRef idx="minor">
-              <a:schemeClr val="tx1"/>
-            </a:fontRef>
-          </p:style>
-        </p:cxnSp>
-        <p:cxnSp>
-          <p:nvCxnSpPr>
-            <p:cNvPr id="20" name="Straight Connector 19">
-              <a:extLst>
-                <a:ext uri="{FF2B5EF4-FFF2-40B4-BE49-F238E27FC236}">
-                  <a16:creationId xmlns:a16="http://schemas.microsoft.com/office/drawing/2014/main" id="{F1EC080A-A9BB-467A-92A9-D597436B743D}"/>
-                </a:ext>
-                <a:ext uri="{C183D7F6-B498-43B3-948B-1728B52AA6E4}">
-                  <adec:decorative xmlns:adec="http://schemas.microsoft.com/office/drawing/2017/decorative" val="1"/>
-                </a:ext>
-              </a:extLst>
-            </p:cNvPr>
-            <p:cNvCxnSpPr>
-              <a:cxnSpLocks/>
-            </p:cNvCxnSpPr>
-            <p:nvPr>
-              <p:extLst>
-                <p:ext uri="{386F3935-93C4-4BCD-93E2-E3B085C9AB24}">
-                  <p16:designElem xmlns:p16="http://schemas.microsoft.com/office/powerpoint/2015/main" val="1"/>
-                </p:ext>
-              </p:extLst>
-            </p:nvPr>
-          </p:nvCxnSpPr>
-          <p:spPr>
-            <a:xfrm>
-              <a:off x="5109498" y="-1"/>
-              <a:ext cx="0" cy="6858000"/>
-            </a:xfrm>
-            <a:prstGeom prst="line">
-              <a:avLst/>
-            </a:prstGeom>
-            <a:ln w="12700">
-              <a:solidFill>
-                <a:srgbClr val="BCBCBC">
-                  <a:alpha val="29804"/>
-                </a:srgbClr>
-              </a:solidFill>
-              <a:prstDash val="sysDot"/>
-            </a:ln>
-          </p:spPr>
-          <p:style>
-            <a:lnRef idx="1">
-              <a:schemeClr val="accent1"/>
-            </a:lnRef>
-            <a:fillRef idx="0">
-              <a:schemeClr val="accent1"/>
-            </a:fillRef>
-            <a:effectRef idx="0">
-              <a:schemeClr val="accent1"/>
-            </a:effectRef>
-            <a:fontRef idx="minor">
-              <a:schemeClr val="tx1"/>
-            </a:fontRef>
-          </p:style>
-        </p:cxnSp>
-        <p:cxnSp>
-          <p:nvCxnSpPr>
-            <p:cNvPr id="21" name="Straight Connector 20">
-              <a:extLst>
-                <a:ext uri="{FF2B5EF4-FFF2-40B4-BE49-F238E27FC236}">
-                  <a16:creationId xmlns:a16="http://schemas.microsoft.com/office/drawing/2014/main" id="{F65DD030-3FCC-4380-B680-8E171845F27B}"/>
-                </a:ext>
-                <a:ext uri="{C183D7F6-B498-43B3-948B-1728B52AA6E4}">
-                  <adec:decorative xmlns:adec="http://schemas.microsoft.com/office/drawing/2017/decorative" val="1"/>
-                </a:ext>
-              </a:extLst>
-            </p:cNvPr>
-            <p:cNvCxnSpPr>
-              <a:cxnSpLocks/>
-            </p:cNvCxnSpPr>
-            <p:nvPr>
-              <p:extLst>
-                <p:ext uri="{386F3935-93C4-4BCD-93E2-E3B085C9AB24}">
-                  <p16:designElem xmlns:p16="http://schemas.microsoft.com/office/powerpoint/2015/main" val="1"/>
-                </p:ext>
-              </p:extLst>
-            </p:nvPr>
-          </p:nvCxnSpPr>
-          <p:spPr>
-            <a:xfrm>
-              <a:off x="6092892" y="-1"/>
-              <a:ext cx="0" cy="6858000"/>
-            </a:xfrm>
-            <a:prstGeom prst="line">
-              <a:avLst/>
-            </a:prstGeom>
-            <a:ln w="12700">
-              <a:solidFill>
-                <a:srgbClr val="BCBCBC">
-                  <a:alpha val="29804"/>
-                </a:srgbClr>
-              </a:solidFill>
-              <a:prstDash val="sysDot"/>
-            </a:ln>
-          </p:spPr>
-          <p:style>
-            <a:lnRef idx="1">
-              <a:schemeClr val="accent1"/>
-            </a:lnRef>
-            <a:fillRef idx="0">
-              <a:schemeClr val="accent1"/>
-            </a:fillRef>
-            <a:effectRef idx="0">
-              <a:schemeClr val="accent1"/>
-            </a:effectRef>
-            <a:fontRef idx="minor">
-              <a:schemeClr val="tx1"/>
-            </a:fontRef>
-          </p:style>
-        </p:cxnSp>
-        <p:cxnSp>
-          <p:nvCxnSpPr>
-            <p:cNvPr id="22" name="Straight Connector 21">
-              <a:extLst>
-                <a:ext uri="{FF2B5EF4-FFF2-40B4-BE49-F238E27FC236}">
-                  <a16:creationId xmlns:a16="http://schemas.microsoft.com/office/drawing/2014/main" id="{F015E10D-03D4-4A67-8377-5B0A55F3D07B}"/>
-                </a:ext>
-                <a:ext uri="{C183D7F6-B498-43B3-948B-1728B52AA6E4}">
-                  <adec:decorative xmlns:adec="http://schemas.microsoft.com/office/drawing/2017/decorative" val="1"/>
-                </a:ext>
-              </a:extLst>
-            </p:cNvPr>
-            <p:cNvCxnSpPr>
-              <a:cxnSpLocks/>
-            </p:cNvCxnSpPr>
-            <p:nvPr>
-              <p:extLst>
-                <p:ext uri="{386F3935-93C4-4BCD-93E2-E3B085C9AB24}">
-                  <p16:designElem xmlns:p16="http://schemas.microsoft.com/office/powerpoint/2015/main" val="1"/>
-                </p:ext>
-              </p:extLst>
-            </p:nvPr>
-          </p:nvCxnSpPr>
-          <p:spPr>
-            <a:xfrm>
-              <a:off x="7076286" y="-1"/>
-              <a:ext cx="0" cy="6858000"/>
-            </a:xfrm>
-            <a:prstGeom prst="line">
-              <a:avLst/>
-            </a:prstGeom>
-            <a:ln w="12700">
-              <a:solidFill>
-                <a:srgbClr val="BCBCBC">
-                  <a:alpha val="29804"/>
-                </a:srgbClr>
-              </a:solidFill>
-              <a:prstDash val="sysDot"/>
-            </a:ln>
-          </p:spPr>
-          <p:style>
-            <a:lnRef idx="1">
-              <a:schemeClr val="accent1"/>
-            </a:lnRef>
-            <a:fillRef idx="0">
-              <a:schemeClr val="accent1"/>
-            </a:fillRef>
-            <a:effectRef idx="0">
-              <a:schemeClr val="accent1"/>
-            </a:effectRef>
-            <a:fontRef idx="minor">
-              <a:schemeClr val="tx1"/>
-            </a:fontRef>
-          </p:style>
-        </p:cxnSp>
-        <p:cxnSp>
-          <p:nvCxnSpPr>
-            <p:cNvPr id="23" name="Straight Connector 22">
-              <a:extLst>
-                <a:ext uri="{FF2B5EF4-FFF2-40B4-BE49-F238E27FC236}">
-                  <a16:creationId xmlns:a16="http://schemas.microsoft.com/office/drawing/2014/main" id="{2DB96670-ACA9-42B6-87A2-E4119998998A}"/>
-                </a:ext>
-                <a:ext uri="{C183D7F6-B498-43B3-948B-1728B52AA6E4}">
-                  <adec:decorative xmlns:adec="http://schemas.microsoft.com/office/drawing/2017/decorative" val="1"/>
-                </a:ext>
-              </a:extLst>
-            </p:cNvPr>
-            <p:cNvCxnSpPr>
-              <a:cxnSpLocks/>
-            </p:cNvCxnSpPr>
-            <p:nvPr>
-              <p:extLst>
-                <p:ext uri="{386F3935-93C4-4BCD-93E2-E3B085C9AB24}">
-                  <p16:designElem xmlns:p16="http://schemas.microsoft.com/office/powerpoint/2015/main" val="1"/>
-                </p:ext>
-              </p:extLst>
-            </p:nvPr>
-          </p:nvCxnSpPr>
-          <p:spPr>
-            <a:xfrm>
-              <a:off x="8059680" y="-1"/>
-              <a:ext cx="0" cy="6858000"/>
-            </a:xfrm>
-            <a:prstGeom prst="line">
-              <a:avLst/>
-            </a:prstGeom>
-            <a:ln w="12700">
-              <a:solidFill>
-                <a:srgbClr val="BCBCBC">
-                  <a:alpha val="29804"/>
-                </a:srgbClr>
-              </a:solidFill>
-              <a:prstDash val="sysDot"/>
-            </a:ln>
-          </p:spPr>
-          <p:style>
-            <a:lnRef idx="1">
-              <a:schemeClr val="accent1"/>
-            </a:lnRef>
-            <a:fillRef idx="0">
-              <a:schemeClr val="accent1"/>
-            </a:fillRef>
-            <a:effectRef idx="0">
-              <a:schemeClr val="accent1"/>
-            </a:effectRef>
-            <a:fontRef idx="minor">
-              <a:schemeClr val="tx1"/>
-            </a:fontRef>
-          </p:style>
-        </p:cxnSp>
-        <p:cxnSp>
-          <p:nvCxnSpPr>
-            <p:cNvPr id="24" name="Straight Connector 23">
-              <a:extLst>
-                <a:ext uri="{FF2B5EF4-FFF2-40B4-BE49-F238E27FC236}">
-                  <a16:creationId xmlns:a16="http://schemas.microsoft.com/office/drawing/2014/main" id="{A2BC8247-310E-48D0-9CEF-43BC6E41A2C5}"/>
-                </a:ext>
-                <a:ext uri="{C183D7F6-B498-43B3-948B-1728B52AA6E4}">
-                  <adec:decorative xmlns:adec="http://schemas.microsoft.com/office/drawing/2017/decorative" val="1"/>
-                </a:ext>
-              </a:extLst>
-            </p:cNvPr>
-            <p:cNvCxnSpPr>
-              <a:cxnSpLocks/>
-            </p:cNvCxnSpPr>
-            <p:nvPr>
-              <p:extLst>
-                <p:ext uri="{386F3935-93C4-4BCD-93E2-E3B085C9AB24}">
-                  <p16:designElem xmlns:p16="http://schemas.microsoft.com/office/powerpoint/2015/main" val="1"/>
-                </p:ext>
-              </p:extLst>
-            </p:nvPr>
-          </p:nvCxnSpPr>
-          <p:spPr>
-            <a:xfrm>
-              <a:off x="9043074" y="-1"/>
-              <a:ext cx="0" cy="6858000"/>
-            </a:xfrm>
-            <a:prstGeom prst="line">
-              <a:avLst/>
-            </a:prstGeom>
-            <a:ln w="12700">
-              <a:solidFill>
-                <a:srgbClr val="BCBCBC">
-                  <a:alpha val="29804"/>
-                </a:srgbClr>
-              </a:solidFill>
-              <a:prstDash val="sysDot"/>
-            </a:ln>
-          </p:spPr>
-          <p:style>
-            <a:lnRef idx="1">
-              <a:schemeClr val="accent1"/>
-            </a:lnRef>
-            <a:fillRef idx="0">
-              <a:schemeClr val="accent1"/>
-            </a:fillRef>
-            <a:effectRef idx="0">
-              <a:schemeClr val="accent1"/>
-            </a:effectRef>
-            <a:fontRef idx="minor">
-              <a:schemeClr val="tx1"/>
-            </a:fontRef>
-          </p:style>
-        </p:cxnSp>
-        <p:cxnSp>
-          <p:nvCxnSpPr>
-            <p:cNvPr id="25" name="Straight Connector 24">
-              <a:extLst>
-                <a:ext uri="{FF2B5EF4-FFF2-40B4-BE49-F238E27FC236}">
-                  <a16:creationId xmlns:a16="http://schemas.microsoft.com/office/drawing/2014/main" id="{32F09D0F-F86F-4AA5-AB1D-AAB1E5BA9228}"/>
-                </a:ext>
-                <a:ext uri="{C183D7F6-B498-43B3-948B-1728B52AA6E4}">
-                  <adec:decorative xmlns:adec="http://schemas.microsoft.com/office/drawing/2017/decorative" val="1"/>
-                </a:ext>
-              </a:extLst>
-            </p:cNvPr>
-            <p:cNvCxnSpPr>
-              <a:cxnSpLocks/>
-            </p:cNvCxnSpPr>
-            <p:nvPr>
-              <p:extLst>
-                <p:ext uri="{386F3935-93C4-4BCD-93E2-E3B085C9AB24}">
-                  <p16:designElem xmlns:p16="http://schemas.microsoft.com/office/powerpoint/2015/main" val="1"/>
-                </p:ext>
-              </p:extLst>
-            </p:nvPr>
-          </p:nvCxnSpPr>
-          <p:spPr>
-            <a:xfrm>
-              <a:off x="10026468" y="-1"/>
-              <a:ext cx="0" cy="6858000"/>
-            </a:xfrm>
-            <a:prstGeom prst="line">
-              <a:avLst/>
-            </a:prstGeom>
-            <a:ln w="12700">
-              <a:solidFill>
-                <a:srgbClr val="BCBCBC">
-                  <a:alpha val="29804"/>
-                </a:srgbClr>
-              </a:solidFill>
-              <a:prstDash val="sysDot"/>
-            </a:ln>
-          </p:spPr>
-          <p:style>
-            <a:lnRef idx="1">
-              <a:schemeClr val="accent1"/>
-            </a:lnRef>
-            <a:fillRef idx="0">
-              <a:schemeClr val="accent1"/>
-            </a:fillRef>
-            <a:effectRef idx="0">
-              <a:schemeClr val="accent1"/>
-            </a:effectRef>
-            <a:fontRef idx="minor">
-              <a:schemeClr val="tx1"/>
-            </a:fontRef>
-          </p:style>
-        </p:cxnSp>
-        <p:cxnSp>
-          <p:nvCxnSpPr>
-            <p:cNvPr id="26" name="Straight Connector 25">
-              <a:extLst>
-                <a:ext uri="{FF2B5EF4-FFF2-40B4-BE49-F238E27FC236}">
-                  <a16:creationId xmlns:a16="http://schemas.microsoft.com/office/drawing/2014/main" id="{09569AF0-6598-4FCC-803D-B3C3DE030B64}"/>
-                </a:ext>
-                <a:ext uri="{C183D7F6-B498-43B3-948B-1728B52AA6E4}">
-                  <adec:decorative xmlns:adec="http://schemas.microsoft.com/office/drawing/2017/decorative" val="1"/>
-                </a:ext>
-              </a:extLst>
-            </p:cNvPr>
-            <p:cNvCxnSpPr>
-              <a:cxnSpLocks/>
-            </p:cNvCxnSpPr>
-            <p:nvPr>
-              <p:extLst>
-                <p:ext uri="{386F3935-93C4-4BCD-93E2-E3B085C9AB24}">
-                  <p16:designElem xmlns:p16="http://schemas.microsoft.com/office/powerpoint/2015/main" val="1"/>
-                </p:ext>
-              </p:extLst>
-            </p:nvPr>
-          </p:nvCxnSpPr>
-          <p:spPr>
-            <a:xfrm>
-              <a:off x="11009862" y="-1"/>
-              <a:ext cx="0" cy="6858000"/>
-            </a:xfrm>
-            <a:prstGeom prst="line">
-              <a:avLst/>
-            </a:prstGeom>
-            <a:ln w="12700">
-              <a:solidFill>
-                <a:srgbClr val="BCBCBC">
-                  <a:alpha val="29804"/>
-                </a:srgbClr>
-              </a:solidFill>
-              <a:prstDash val="sysDot"/>
-            </a:ln>
-          </p:spPr>
-          <p:style>
-            <a:lnRef idx="1">
-              <a:schemeClr val="accent1"/>
-            </a:lnRef>
-            <a:fillRef idx="0">
-              <a:schemeClr val="accent1"/>
-            </a:fillRef>
-            <a:effectRef idx="0">
-              <a:schemeClr val="accent1"/>
-            </a:effectRef>
-            <a:fontRef idx="minor">
-              <a:schemeClr val="tx1"/>
-            </a:fontRef>
-          </p:style>
-        </p:cxnSp>
-        <p:cxnSp>
-          <p:nvCxnSpPr>
-            <p:cNvPr id="27" name="Straight Connector 26">
-              <a:extLst>
-                <a:ext uri="{FF2B5EF4-FFF2-40B4-BE49-F238E27FC236}">
-                  <a16:creationId xmlns:a16="http://schemas.microsoft.com/office/drawing/2014/main" id="{91B68A9D-7921-44B8-8464-E36F028EEAF0}"/>
-                </a:ext>
-                <a:ext uri="{C183D7F6-B498-43B3-948B-1728B52AA6E4}">
-                  <adec:decorative xmlns:adec="http://schemas.microsoft.com/office/drawing/2017/decorative" val="1"/>
-                </a:ext>
-              </a:extLst>
-            </p:cNvPr>
-            <p:cNvCxnSpPr>
-              <a:cxnSpLocks/>
-            </p:cNvCxnSpPr>
-            <p:nvPr>
-              <p:extLst>
-                <p:ext uri="{386F3935-93C4-4BCD-93E2-E3B085C9AB24}">
-                  <p16:designElem xmlns:p16="http://schemas.microsoft.com/office/powerpoint/2015/main" val="1"/>
-                </p:ext>
-              </p:extLst>
-            </p:nvPr>
-          </p:nvCxnSpPr>
-          <p:spPr>
-            <a:xfrm>
-              <a:off x="12185786" y="-1"/>
-              <a:ext cx="0" cy="6858000"/>
-            </a:xfrm>
-            <a:prstGeom prst="line">
-              <a:avLst/>
-            </a:prstGeom>
-            <a:ln w="12700">
-              <a:solidFill>
-                <a:srgbClr val="BCBCBC">
-                  <a:alpha val="29804"/>
-                </a:srgbClr>
-              </a:solidFill>
-              <a:prstDash val="sysDot"/>
-            </a:ln>
-          </p:spPr>
-          <p:style>
-            <a:lnRef idx="1">
-              <a:schemeClr val="accent1"/>
-            </a:lnRef>
-            <a:fillRef idx="0">
-              <a:schemeClr val="accent1"/>
-            </a:fillRef>
-            <a:effectRef idx="0">
-              <a:schemeClr val="accent1"/>
-            </a:effectRef>
-            <a:fontRef idx="minor">
-              <a:schemeClr val="tx1"/>
-            </a:fontRef>
-          </p:style>
-        </p:cxnSp>
-        <p:cxnSp>
-          <p:nvCxnSpPr>
-            <p:cNvPr id="28" name="Straight Connector 27">
-              <a:extLst>
-                <a:ext uri="{FF2B5EF4-FFF2-40B4-BE49-F238E27FC236}">
-                  <a16:creationId xmlns:a16="http://schemas.microsoft.com/office/drawing/2014/main" id="{F68EB3D7-2443-4764-9991-B691C090C0AC}"/>
-                </a:ext>
-                <a:ext uri="{C183D7F6-B498-43B3-948B-1728B52AA6E4}">
-                  <adec:decorative xmlns:adec="http://schemas.microsoft.com/office/drawing/2017/decorative" val="1"/>
-                </a:ext>
-              </a:extLst>
-            </p:cNvPr>
-            <p:cNvCxnSpPr>
-              <a:cxnSpLocks/>
-            </p:cNvCxnSpPr>
-            <p:nvPr>
-              <p:extLst>
-                <p:ext uri="{386F3935-93C4-4BCD-93E2-E3B085C9AB24}">
-                  <p16:designElem xmlns:p16="http://schemas.microsoft.com/office/powerpoint/2015/main" val="1"/>
-                </p:ext>
-              </p:extLst>
-            </p:nvPr>
-          </p:nvCxnSpPr>
-          <p:spPr>
-            <a:xfrm>
-              <a:off x="0" y="171716"/>
-              <a:ext cx="12192000" cy="0"/>
-            </a:xfrm>
-            <a:prstGeom prst="line">
-              <a:avLst/>
-            </a:prstGeom>
-            <a:ln w="12700">
-              <a:solidFill>
-                <a:srgbClr val="BCBCBC">
-                  <a:alpha val="29804"/>
-                </a:srgbClr>
-              </a:solidFill>
-              <a:prstDash val="sysDot"/>
-            </a:ln>
-          </p:spPr>
-          <p:style>
-            <a:lnRef idx="1">
-              <a:schemeClr val="accent1"/>
-            </a:lnRef>
-            <a:fillRef idx="0">
-              <a:schemeClr val="accent1"/>
-            </a:fillRef>
-            <a:effectRef idx="0">
-              <a:schemeClr val="accent1"/>
-            </a:effectRef>
-            <a:fontRef idx="minor">
-              <a:schemeClr val="tx1"/>
-            </a:fontRef>
-          </p:style>
-        </p:cxnSp>
-        <p:cxnSp>
-          <p:nvCxnSpPr>
-            <p:cNvPr id="29" name="Straight Connector 28">
-              <a:extLst>
-                <a:ext uri="{FF2B5EF4-FFF2-40B4-BE49-F238E27FC236}">
-                  <a16:creationId xmlns:a16="http://schemas.microsoft.com/office/drawing/2014/main" id="{DA6128C1-7748-441C-94E4-1874BB57790E}"/>
-                </a:ext>
-                <a:ext uri="{C183D7F6-B498-43B3-948B-1728B52AA6E4}">
-                  <adec:decorative xmlns:adec="http://schemas.microsoft.com/office/drawing/2017/decorative" val="1"/>
-                </a:ext>
-              </a:extLst>
-            </p:cNvPr>
-            <p:cNvCxnSpPr>
-              <a:cxnSpLocks/>
-            </p:cNvCxnSpPr>
-            <p:nvPr>
-              <p:extLst>
-                <p:ext uri="{386F3935-93C4-4BCD-93E2-E3B085C9AB24}">
-                  <p16:designElem xmlns:p16="http://schemas.microsoft.com/office/powerpoint/2015/main" val="1"/>
-                </p:ext>
-              </p:extLst>
-            </p:nvPr>
-          </p:nvCxnSpPr>
-          <p:spPr>
-            <a:xfrm>
-              <a:off x="0" y="714597"/>
-              <a:ext cx="12192000" cy="0"/>
-            </a:xfrm>
-            <a:prstGeom prst="line">
-              <a:avLst/>
-            </a:prstGeom>
-            <a:ln w="12700">
-              <a:solidFill>
-                <a:srgbClr val="BCBCBC">
-                  <a:alpha val="29804"/>
-                </a:srgbClr>
-              </a:solidFill>
-              <a:prstDash val="sysDot"/>
-            </a:ln>
-          </p:spPr>
-          <p:style>
-            <a:lnRef idx="1">
-              <a:schemeClr val="accent1"/>
-            </a:lnRef>
-            <a:fillRef idx="0">
-              <a:schemeClr val="accent1"/>
-            </a:fillRef>
-            <a:effectRef idx="0">
-              <a:schemeClr val="accent1"/>
-            </a:effectRef>
-            <a:fontRef idx="minor">
-              <a:schemeClr val="tx1"/>
-            </a:fontRef>
-          </p:style>
-        </p:cxnSp>
-        <p:cxnSp>
-          <p:nvCxnSpPr>
-            <p:cNvPr id="30" name="Straight Connector 29">
-              <a:extLst>
-                <a:ext uri="{FF2B5EF4-FFF2-40B4-BE49-F238E27FC236}">
-                  <a16:creationId xmlns:a16="http://schemas.microsoft.com/office/drawing/2014/main" id="{8276682F-0434-4D7E-B400-2DF99D969B4C}"/>
-                </a:ext>
-                <a:ext uri="{C183D7F6-B498-43B3-948B-1728B52AA6E4}">
-                  <adec:decorative xmlns:adec="http://schemas.microsoft.com/office/drawing/2017/decorative" val="1"/>
-                </a:ext>
-              </a:extLst>
-            </p:cNvPr>
-            <p:cNvCxnSpPr>
-              <a:cxnSpLocks/>
-            </p:cNvCxnSpPr>
-            <p:nvPr>
-              <p:extLst>
-                <p:ext uri="{386F3935-93C4-4BCD-93E2-E3B085C9AB24}">
-                  <p16:designElem xmlns:p16="http://schemas.microsoft.com/office/powerpoint/2015/main" val="1"/>
-                </p:ext>
-              </p:extLst>
-            </p:nvPr>
-          </p:nvCxnSpPr>
-          <p:spPr>
-            <a:xfrm>
-              <a:off x="0" y="1257478"/>
-              <a:ext cx="12192000" cy="0"/>
-            </a:xfrm>
-            <a:prstGeom prst="line">
-              <a:avLst/>
-            </a:prstGeom>
-            <a:ln w="12700">
-              <a:solidFill>
-                <a:srgbClr val="BCBCBC">
-                  <a:alpha val="29804"/>
-                </a:srgbClr>
-              </a:solidFill>
-              <a:prstDash val="sysDot"/>
-            </a:ln>
-          </p:spPr>
-          <p:style>
-            <a:lnRef idx="1">
-              <a:schemeClr val="accent1"/>
-            </a:lnRef>
-            <a:fillRef idx="0">
-              <a:schemeClr val="accent1"/>
-            </a:fillRef>
-            <a:effectRef idx="0">
-              <a:schemeClr val="accent1"/>
-            </a:effectRef>
-            <a:fontRef idx="minor">
-              <a:schemeClr val="tx1"/>
-            </a:fontRef>
-          </p:style>
-        </p:cxnSp>
-        <p:cxnSp>
-          <p:nvCxnSpPr>
-            <p:cNvPr id="31" name="Straight Connector 30">
-              <a:extLst>
-                <a:ext uri="{FF2B5EF4-FFF2-40B4-BE49-F238E27FC236}">
-                  <a16:creationId xmlns:a16="http://schemas.microsoft.com/office/drawing/2014/main" id="{1CD2F02B-2688-4DCD-9610-1C086528FCC7}"/>
-                </a:ext>
-                <a:ext uri="{C183D7F6-B498-43B3-948B-1728B52AA6E4}">
-                  <adec:decorative xmlns:adec="http://schemas.microsoft.com/office/drawing/2017/decorative" val="1"/>
-                </a:ext>
-              </a:extLst>
-            </p:cNvPr>
-            <p:cNvCxnSpPr>
-              <a:cxnSpLocks/>
-            </p:cNvCxnSpPr>
-            <p:nvPr>
-              <p:extLst>
-                <p:ext uri="{386F3935-93C4-4BCD-93E2-E3B085C9AB24}">
-                  <p16:designElem xmlns:p16="http://schemas.microsoft.com/office/powerpoint/2015/main" val="1"/>
-                </p:ext>
-              </p:extLst>
-            </p:nvPr>
-          </p:nvCxnSpPr>
-          <p:spPr>
-            <a:xfrm>
-              <a:off x="0" y="1800359"/>
-              <a:ext cx="12192000" cy="0"/>
-            </a:xfrm>
-            <a:prstGeom prst="line">
-              <a:avLst/>
-            </a:prstGeom>
-            <a:ln w="12700">
-              <a:solidFill>
-                <a:srgbClr val="BCBCBC">
-                  <a:alpha val="29804"/>
-                </a:srgbClr>
-              </a:solidFill>
-              <a:prstDash val="sysDot"/>
-            </a:ln>
-          </p:spPr>
-          <p:style>
-            <a:lnRef idx="1">
-              <a:schemeClr val="accent1"/>
-            </a:lnRef>
-            <a:fillRef idx="0">
-              <a:schemeClr val="accent1"/>
-            </a:fillRef>
-            <a:effectRef idx="0">
-              <a:schemeClr val="accent1"/>
-            </a:effectRef>
-            <a:fontRef idx="minor">
-              <a:schemeClr val="tx1"/>
-            </a:fontRef>
-          </p:style>
-        </p:cxnSp>
-        <p:cxnSp>
-          <p:nvCxnSpPr>
-            <p:cNvPr id="32" name="Straight Connector 31">
-              <a:extLst>
-                <a:ext uri="{FF2B5EF4-FFF2-40B4-BE49-F238E27FC236}">
-                  <a16:creationId xmlns:a16="http://schemas.microsoft.com/office/drawing/2014/main" id="{0BA0DA4B-915F-4A6D-8368-BE7B53E426CB}"/>
-                </a:ext>
-                <a:ext uri="{C183D7F6-B498-43B3-948B-1728B52AA6E4}">
-                  <adec:decorative xmlns:adec="http://schemas.microsoft.com/office/drawing/2017/decorative" val="1"/>
-                </a:ext>
-              </a:extLst>
-            </p:cNvPr>
-            <p:cNvCxnSpPr>
-              <a:cxnSpLocks/>
-            </p:cNvCxnSpPr>
-            <p:nvPr>
-              <p:extLst>
-                <p:ext uri="{386F3935-93C4-4BCD-93E2-E3B085C9AB24}">
-                  <p16:designElem xmlns:p16="http://schemas.microsoft.com/office/powerpoint/2015/main" val="1"/>
-                </p:ext>
-              </p:extLst>
-            </p:nvPr>
-          </p:nvCxnSpPr>
-          <p:spPr>
-            <a:xfrm>
-              <a:off x="0" y="2343240"/>
-              <a:ext cx="12192000" cy="0"/>
-            </a:xfrm>
-            <a:prstGeom prst="line">
-              <a:avLst/>
-            </a:prstGeom>
-            <a:ln w="12700">
-              <a:solidFill>
-                <a:srgbClr val="BCBCBC">
-                  <a:alpha val="29804"/>
-                </a:srgbClr>
-              </a:solidFill>
-              <a:prstDash val="sysDot"/>
-            </a:ln>
-          </p:spPr>
-          <p:style>
-            <a:lnRef idx="1">
-              <a:schemeClr val="accent1"/>
-            </a:lnRef>
-            <a:fillRef idx="0">
-              <a:schemeClr val="accent1"/>
-            </a:fillRef>
-            <a:effectRef idx="0">
-              <a:schemeClr val="accent1"/>
-            </a:effectRef>
-            <a:fontRef idx="minor">
-              <a:schemeClr val="tx1"/>
-            </a:fontRef>
-          </p:style>
-        </p:cxnSp>
-        <p:cxnSp>
-          <p:nvCxnSpPr>
-            <p:cNvPr id="33" name="Straight Connector 32">
-              <a:extLst>
-                <a:ext uri="{FF2B5EF4-FFF2-40B4-BE49-F238E27FC236}">
-                  <a16:creationId xmlns:a16="http://schemas.microsoft.com/office/drawing/2014/main" id="{601711BC-8D96-4E1F-934B-9E382A617A53}"/>
-                </a:ext>
-                <a:ext uri="{C183D7F6-B498-43B3-948B-1728B52AA6E4}">
-                  <adec:decorative xmlns:adec="http://schemas.microsoft.com/office/drawing/2017/decorative" val="1"/>
-                </a:ext>
-              </a:extLst>
-            </p:cNvPr>
-            <p:cNvCxnSpPr>
-              <a:cxnSpLocks/>
-            </p:cNvCxnSpPr>
-            <p:nvPr>
-              <p:extLst>
-                <p:ext uri="{386F3935-93C4-4BCD-93E2-E3B085C9AB24}">
-                  <p16:designElem xmlns:p16="http://schemas.microsoft.com/office/powerpoint/2015/main" val="1"/>
-                </p:ext>
-              </p:extLst>
-            </p:nvPr>
-          </p:nvCxnSpPr>
-          <p:spPr>
-            <a:xfrm>
-              <a:off x="0" y="2886121"/>
-              <a:ext cx="12192000" cy="0"/>
-            </a:xfrm>
-            <a:prstGeom prst="line">
-              <a:avLst/>
-            </a:prstGeom>
-            <a:ln w="12700">
-              <a:solidFill>
-                <a:srgbClr val="BCBCBC">
-                  <a:alpha val="29804"/>
-                </a:srgbClr>
-              </a:solidFill>
-              <a:prstDash val="sysDot"/>
-            </a:ln>
-          </p:spPr>
-          <p:style>
-            <a:lnRef idx="1">
-              <a:schemeClr val="accent1"/>
-            </a:lnRef>
-            <a:fillRef idx="0">
-              <a:schemeClr val="accent1"/>
-            </a:fillRef>
-            <a:effectRef idx="0">
-              <a:schemeClr val="accent1"/>
-            </a:effectRef>
-            <a:fontRef idx="minor">
-              <a:schemeClr val="tx1"/>
-            </a:fontRef>
-          </p:style>
-        </p:cxnSp>
-        <p:cxnSp>
-          <p:nvCxnSpPr>
-            <p:cNvPr id="34" name="Straight Connector 33">
-              <a:extLst>
-                <a:ext uri="{FF2B5EF4-FFF2-40B4-BE49-F238E27FC236}">
-                  <a16:creationId xmlns:a16="http://schemas.microsoft.com/office/drawing/2014/main" id="{4364551E-CB94-4200-809A-9E33122BA620}"/>
-                </a:ext>
-                <a:ext uri="{C183D7F6-B498-43B3-948B-1728B52AA6E4}">
-                  <adec:decorative xmlns:adec="http://schemas.microsoft.com/office/drawing/2017/decorative" val="1"/>
-                </a:ext>
-              </a:extLst>
-            </p:cNvPr>
-            <p:cNvCxnSpPr>
-              <a:cxnSpLocks/>
-            </p:cNvCxnSpPr>
-            <p:nvPr>
-              <p:extLst>
-                <p:ext uri="{386F3935-93C4-4BCD-93E2-E3B085C9AB24}">
-                  <p16:designElem xmlns:p16="http://schemas.microsoft.com/office/powerpoint/2015/main" val="1"/>
-                </p:ext>
-              </p:extLst>
-            </p:nvPr>
-          </p:nvCxnSpPr>
-          <p:spPr>
-            <a:xfrm>
-              <a:off x="0" y="3429002"/>
-              <a:ext cx="12192000" cy="0"/>
-            </a:xfrm>
-            <a:prstGeom prst="line">
-              <a:avLst/>
-            </a:prstGeom>
-            <a:ln w="12700">
-              <a:solidFill>
-                <a:srgbClr val="BCBCBC">
-                  <a:alpha val="29804"/>
-                </a:srgbClr>
-              </a:solidFill>
-              <a:prstDash val="sysDot"/>
-            </a:ln>
-          </p:spPr>
-          <p:style>
-            <a:lnRef idx="1">
-              <a:schemeClr val="accent1"/>
-            </a:lnRef>
-            <a:fillRef idx="0">
-              <a:schemeClr val="accent1"/>
-            </a:fillRef>
-            <a:effectRef idx="0">
-              <a:schemeClr val="accent1"/>
-            </a:effectRef>
-            <a:fontRef idx="minor">
-              <a:schemeClr val="tx1"/>
-            </a:fontRef>
-          </p:style>
-        </p:cxnSp>
-        <p:cxnSp>
-          <p:nvCxnSpPr>
-            <p:cNvPr id="35" name="Straight Connector 34">
-              <a:extLst>
-                <a:ext uri="{FF2B5EF4-FFF2-40B4-BE49-F238E27FC236}">
-                  <a16:creationId xmlns:a16="http://schemas.microsoft.com/office/drawing/2014/main" id="{464389BE-74F0-4F54-9DE0-2BCB33C78FA0}"/>
-                </a:ext>
-                <a:ext uri="{C183D7F6-B498-43B3-948B-1728B52AA6E4}">
-                  <adec:decorative xmlns:adec="http://schemas.microsoft.com/office/drawing/2017/decorative" val="1"/>
-                </a:ext>
-              </a:extLst>
-            </p:cNvPr>
-            <p:cNvCxnSpPr>
-              <a:cxnSpLocks/>
-            </p:cNvCxnSpPr>
-            <p:nvPr>
-              <p:extLst>
-                <p:ext uri="{386F3935-93C4-4BCD-93E2-E3B085C9AB24}">
-                  <p16:designElem xmlns:p16="http://schemas.microsoft.com/office/powerpoint/2015/main" val="1"/>
-                </p:ext>
-              </p:extLst>
-            </p:nvPr>
-          </p:nvCxnSpPr>
-          <p:spPr>
-            <a:xfrm>
-              <a:off x="0" y="3971883"/>
-              <a:ext cx="12192000" cy="0"/>
-            </a:xfrm>
-            <a:prstGeom prst="line">
-              <a:avLst/>
-            </a:prstGeom>
-            <a:ln w="12700">
-              <a:solidFill>
-                <a:srgbClr val="BCBCBC">
-                  <a:alpha val="29804"/>
-                </a:srgbClr>
-              </a:solidFill>
-              <a:prstDash val="sysDot"/>
-            </a:ln>
-          </p:spPr>
-          <p:style>
-            <a:lnRef idx="1">
-              <a:schemeClr val="accent1"/>
-            </a:lnRef>
-            <a:fillRef idx="0">
-              <a:schemeClr val="accent1"/>
-            </a:fillRef>
-            <a:effectRef idx="0">
-              <a:schemeClr val="accent1"/>
-            </a:effectRef>
-            <a:fontRef idx="minor">
-              <a:schemeClr val="tx1"/>
-            </a:fontRef>
-          </p:style>
-        </p:cxnSp>
-        <p:cxnSp>
-          <p:nvCxnSpPr>
-            <p:cNvPr id="36" name="Straight Connector 35">
-              <a:extLst>
-                <a:ext uri="{FF2B5EF4-FFF2-40B4-BE49-F238E27FC236}">
-                  <a16:creationId xmlns:a16="http://schemas.microsoft.com/office/drawing/2014/main" id="{26721F72-5343-46B1-AFC1-6DF4FF7710D3}"/>
-                </a:ext>
-                <a:ext uri="{C183D7F6-B498-43B3-948B-1728B52AA6E4}">
-                  <adec:decorative xmlns:adec="http://schemas.microsoft.com/office/drawing/2017/decorative" val="1"/>
-                </a:ext>
-              </a:extLst>
-            </p:cNvPr>
-            <p:cNvCxnSpPr>
-              <a:cxnSpLocks/>
-            </p:cNvCxnSpPr>
-            <p:nvPr>
-              <p:extLst>
-                <p:ext uri="{386F3935-93C4-4BCD-93E2-E3B085C9AB24}">
-                  <p16:designElem xmlns:p16="http://schemas.microsoft.com/office/powerpoint/2015/main" val="1"/>
-                </p:ext>
-              </p:extLst>
-            </p:nvPr>
-          </p:nvCxnSpPr>
-          <p:spPr>
-            <a:xfrm>
-              <a:off x="0" y="4514764"/>
-              <a:ext cx="12192000" cy="0"/>
-            </a:xfrm>
-            <a:prstGeom prst="line">
-              <a:avLst/>
-            </a:prstGeom>
-            <a:ln w="12700">
-              <a:solidFill>
-                <a:srgbClr val="BCBCBC">
-                  <a:alpha val="29804"/>
-                </a:srgbClr>
-              </a:solidFill>
-              <a:prstDash val="sysDot"/>
-            </a:ln>
-          </p:spPr>
-          <p:style>
-            <a:lnRef idx="1">
-              <a:schemeClr val="accent1"/>
-            </a:lnRef>
-            <a:fillRef idx="0">
-              <a:schemeClr val="accent1"/>
-            </a:fillRef>
-            <a:effectRef idx="0">
-              <a:schemeClr val="accent1"/>
-            </a:effectRef>
-            <a:fontRef idx="minor">
-              <a:schemeClr val="tx1"/>
-            </a:fontRef>
-          </p:style>
-        </p:cxnSp>
-        <p:cxnSp>
-          <p:nvCxnSpPr>
-            <p:cNvPr id="37" name="Straight Connector 36">
-              <a:extLst>
-                <a:ext uri="{FF2B5EF4-FFF2-40B4-BE49-F238E27FC236}">
-                  <a16:creationId xmlns:a16="http://schemas.microsoft.com/office/drawing/2014/main" id="{D4A528A6-14EE-4010-93CB-95F75CB96EAE}"/>
-                </a:ext>
-                <a:ext uri="{C183D7F6-B498-43B3-948B-1728B52AA6E4}">
-                  <adec:decorative xmlns:adec="http://schemas.microsoft.com/office/drawing/2017/decorative" val="1"/>
-                </a:ext>
-              </a:extLst>
-            </p:cNvPr>
-            <p:cNvCxnSpPr>
-              <a:cxnSpLocks/>
-            </p:cNvCxnSpPr>
-            <p:nvPr>
-              <p:extLst>
-                <p:ext uri="{386F3935-93C4-4BCD-93E2-E3B085C9AB24}">
-                  <p16:designElem xmlns:p16="http://schemas.microsoft.com/office/powerpoint/2015/main" val="1"/>
-                </p:ext>
-              </p:extLst>
-            </p:nvPr>
-          </p:nvCxnSpPr>
-          <p:spPr>
-            <a:xfrm>
-              <a:off x="0" y="5057645"/>
-              <a:ext cx="12192000" cy="0"/>
-            </a:xfrm>
-            <a:prstGeom prst="line">
-              <a:avLst/>
-            </a:prstGeom>
-            <a:ln w="12700">
-              <a:solidFill>
-                <a:srgbClr val="BCBCBC">
-                  <a:alpha val="29804"/>
-                </a:srgbClr>
-              </a:solidFill>
-              <a:prstDash val="sysDot"/>
-            </a:ln>
-          </p:spPr>
-          <p:style>
-            <a:lnRef idx="1">
-              <a:schemeClr val="accent1"/>
-            </a:lnRef>
-            <a:fillRef idx="0">
-              <a:schemeClr val="accent1"/>
-            </a:fillRef>
-            <a:effectRef idx="0">
-              <a:schemeClr val="accent1"/>
-            </a:effectRef>
-            <a:fontRef idx="minor">
-              <a:schemeClr val="tx1"/>
-            </a:fontRef>
-          </p:style>
-        </p:cxnSp>
-        <p:cxnSp>
-          <p:nvCxnSpPr>
-            <p:cNvPr id="38" name="Straight Connector 37">
-              <a:extLst>
-                <a:ext uri="{FF2B5EF4-FFF2-40B4-BE49-F238E27FC236}">
-                  <a16:creationId xmlns:a16="http://schemas.microsoft.com/office/drawing/2014/main" id="{9186140D-084D-4621-A556-65927AB449FD}"/>
-                </a:ext>
-                <a:ext uri="{C183D7F6-B498-43B3-948B-1728B52AA6E4}">
-                  <adec:decorative xmlns:adec="http://schemas.microsoft.com/office/drawing/2017/decorative" val="1"/>
-                </a:ext>
-              </a:extLst>
-            </p:cNvPr>
-            <p:cNvCxnSpPr>
-              <a:cxnSpLocks/>
-            </p:cNvCxnSpPr>
-            <p:nvPr>
-              <p:extLst>
-                <p:ext uri="{386F3935-93C4-4BCD-93E2-E3B085C9AB24}">
-                  <p16:designElem xmlns:p16="http://schemas.microsoft.com/office/powerpoint/2015/main" val="1"/>
-                </p:ext>
-              </p:extLst>
-            </p:nvPr>
-          </p:nvCxnSpPr>
-          <p:spPr>
-            <a:xfrm>
-              <a:off x="0" y="5600526"/>
-              <a:ext cx="12192000" cy="0"/>
-            </a:xfrm>
-            <a:prstGeom prst="line">
-              <a:avLst/>
-            </a:prstGeom>
-            <a:ln w="12700">
-              <a:solidFill>
-                <a:srgbClr val="BCBCBC">
-                  <a:alpha val="29804"/>
-                </a:srgbClr>
-              </a:solidFill>
-              <a:prstDash val="sysDot"/>
-            </a:ln>
-          </p:spPr>
-          <p:style>
-            <a:lnRef idx="1">
-              <a:schemeClr val="accent1"/>
-            </a:lnRef>
-            <a:fillRef idx="0">
-              <a:schemeClr val="accent1"/>
-            </a:fillRef>
-            <a:effectRef idx="0">
-              <a:schemeClr val="accent1"/>
-            </a:effectRef>
-            <a:fontRef idx="minor">
-              <a:schemeClr val="tx1"/>
-            </a:fontRef>
-          </p:style>
-        </p:cxnSp>
-        <p:cxnSp>
-          <p:nvCxnSpPr>
-            <p:cNvPr id="39" name="Straight Connector 38">
-              <a:extLst>
-                <a:ext uri="{FF2B5EF4-FFF2-40B4-BE49-F238E27FC236}">
-                  <a16:creationId xmlns:a16="http://schemas.microsoft.com/office/drawing/2014/main" id="{A2049A17-7EE3-4BEF-B630-AD0AB020E6AB}"/>
-                </a:ext>
-                <a:ext uri="{C183D7F6-B498-43B3-948B-1728B52AA6E4}">
-                  <adec:decorative xmlns:adec="http://schemas.microsoft.com/office/drawing/2017/decorative" val="1"/>
-                </a:ext>
-              </a:extLst>
-            </p:cNvPr>
-            <p:cNvCxnSpPr>
-              <a:cxnSpLocks/>
-            </p:cNvCxnSpPr>
-            <p:nvPr>
-              <p:extLst>
-                <p:ext uri="{386F3935-93C4-4BCD-93E2-E3B085C9AB24}">
-                  <p16:designElem xmlns:p16="http://schemas.microsoft.com/office/powerpoint/2015/main" val="1"/>
-                </p:ext>
-              </p:extLst>
-            </p:nvPr>
-          </p:nvCxnSpPr>
-          <p:spPr>
-            <a:xfrm>
-              <a:off x="0" y="6857999"/>
-              <a:ext cx="12192000" cy="0"/>
-            </a:xfrm>
-            <a:prstGeom prst="line">
-              <a:avLst/>
-            </a:prstGeom>
-            <a:ln w="12700">
-              <a:solidFill>
-                <a:srgbClr val="BCBCBC">
-                  <a:alpha val="29804"/>
-                </a:srgbClr>
-              </a:solidFill>
-              <a:prstDash val="sysDot"/>
-            </a:ln>
-          </p:spPr>
-          <p:style>
-            <a:lnRef idx="1">
-              <a:schemeClr val="accent1"/>
-            </a:lnRef>
-            <a:fillRef idx="0">
-              <a:schemeClr val="accent1"/>
-            </a:fillRef>
-            <a:effectRef idx="0">
-              <a:schemeClr val="accent1"/>
-            </a:effectRef>
-            <a:fontRef idx="minor">
-              <a:schemeClr val="tx1"/>
-            </a:fontRef>
-          </p:style>
-        </p:cxnSp>
-        <p:cxnSp>
-          <p:nvCxnSpPr>
-            <p:cNvPr id="40" name="Straight Connector 39">
-              <a:extLst>
-                <a:ext uri="{FF2B5EF4-FFF2-40B4-BE49-F238E27FC236}">
-                  <a16:creationId xmlns:a16="http://schemas.microsoft.com/office/drawing/2014/main" id="{0223B596-7D86-4AF3-AE7E-A696FEF1140D}"/>
-                </a:ext>
-                <a:ext uri="{C183D7F6-B498-43B3-948B-1728B52AA6E4}">
-                  <adec:decorative xmlns:adec="http://schemas.microsoft.com/office/drawing/2017/decorative" val="1"/>
-                </a:ext>
-              </a:extLst>
-            </p:cNvPr>
-            <p:cNvCxnSpPr>
-              <a:cxnSpLocks/>
-            </p:cNvCxnSpPr>
-            <p:nvPr>
-              <p:extLst>
-                <p:ext uri="{386F3935-93C4-4BCD-93E2-E3B085C9AB24}">
-                  <p16:designElem xmlns:p16="http://schemas.microsoft.com/office/powerpoint/2015/main" val="1"/>
-                </p:ext>
-              </p:extLst>
-            </p:nvPr>
-          </p:nvCxnSpPr>
-          <p:spPr>
-            <a:xfrm>
-              <a:off x="16613" y="6143407"/>
-              <a:ext cx="12192000" cy="0"/>
-            </a:xfrm>
-            <a:prstGeom prst="line">
-              <a:avLst/>
-            </a:prstGeom>
-            <a:ln w="12700">
-              <a:solidFill>
-                <a:srgbClr val="BCBCBC">
-                  <a:alpha val="29804"/>
-                </a:srgbClr>
-              </a:solidFill>
-              <a:prstDash val="sysDot"/>
-            </a:ln>
-          </p:spPr>
-          <p:style>
-            <a:lnRef idx="1">
-              <a:schemeClr val="accent1"/>
-            </a:lnRef>
-            <a:fillRef idx="0">
-              <a:schemeClr val="accent1"/>
-            </a:fillRef>
-            <a:effectRef idx="0">
-              <a:schemeClr val="accent1"/>
-            </a:effectRef>
-            <a:fontRef idx="minor">
-              <a:schemeClr val="tx1"/>
-            </a:fontRef>
-          </p:style>
-        </p:cxnSp>
-        <p:cxnSp>
-          <p:nvCxnSpPr>
-            <p:cNvPr id="41" name="Straight Connector 40">
-              <a:extLst>
-                <a:ext uri="{FF2B5EF4-FFF2-40B4-BE49-F238E27FC236}">
-                  <a16:creationId xmlns:a16="http://schemas.microsoft.com/office/drawing/2014/main" id="{3F7FC8FA-C1DE-4F38-BCDA-464A54783EF8}"/>
-                </a:ext>
-                <a:ext uri="{C183D7F6-B498-43B3-948B-1728B52AA6E4}">
-                  <adec:decorative xmlns:adec="http://schemas.microsoft.com/office/drawing/2017/decorative" val="1"/>
-                </a:ext>
-              </a:extLst>
-            </p:cNvPr>
-            <p:cNvCxnSpPr>
-              <a:cxnSpLocks/>
-            </p:cNvCxnSpPr>
-            <p:nvPr>
-              <p:extLst>
-                <p:ext uri="{386F3935-93C4-4BCD-93E2-E3B085C9AB24}">
-                  <p16:designElem xmlns:p16="http://schemas.microsoft.com/office/powerpoint/2015/main" val="1"/>
-                </p:ext>
-              </p:extLst>
-            </p:nvPr>
-          </p:nvCxnSpPr>
-          <p:spPr>
-            <a:xfrm>
-              <a:off x="684225" y="171716"/>
-              <a:ext cx="0" cy="6511464"/>
-            </a:xfrm>
-            <a:prstGeom prst="line">
-              <a:avLst/>
-            </a:prstGeom>
-            <a:ln w="12700">
-              <a:solidFill>
-                <a:srgbClr val="BCBCBC">
-                  <a:alpha val="29804"/>
-                </a:srgbClr>
-              </a:solidFill>
-              <a:prstDash val="sysDot"/>
-            </a:ln>
-          </p:spPr>
-          <p:style>
-            <a:lnRef idx="1">
-              <a:schemeClr val="accent1"/>
-            </a:lnRef>
-            <a:fillRef idx="0">
-              <a:schemeClr val="accent1"/>
-            </a:fillRef>
-            <a:effectRef idx="0">
-              <a:schemeClr val="accent1"/>
-            </a:effectRef>
-            <a:fontRef idx="minor">
-              <a:schemeClr val="tx1"/>
-            </a:fontRef>
-          </p:style>
-        </p:cxnSp>
-        <p:cxnSp>
-          <p:nvCxnSpPr>
-            <p:cNvPr id="42" name="Straight Connector 41">
-              <a:extLst>
-                <a:ext uri="{FF2B5EF4-FFF2-40B4-BE49-F238E27FC236}">
-                  <a16:creationId xmlns:a16="http://schemas.microsoft.com/office/drawing/2014/main" id="{B5BEFE2E-F050-46F9-BAD0-939F37AA992F}"/>
-                </a:ext>
-                <a:ext uri="{C183D7F6-B498-43B3-948B-1728B52AA6E4}">
-                  <adec:decorative xmlns:adec="http://schemas.microsoft.com/office/drawing/2017/decorative" val="1"/>
-                </a:ext>
-              </a:extLst>
-            </p:cNvPr>
-            <p:cNvCxnSpPr>
-              <a:cxnSpLocks/>
-            </p:cNvCxnSpPr>
-            <p:nvPr>
-              <p:extLst>
-                <p:ext uri="{386F3935-93C4-4BCD-93E2-E3B085C9AB24}">
-                  <p16:designElem xmlns:p16="http://schemas.microsoft.com/office/powerpoint/2015/main" val="1"/>
-                </p:ext>
-              </p:extLst>
-            </p:nvPr>
-          </p:nvCxnSpPr>
-          <p:spPr>
-            <a:xfrm>
-              <a:off x="11508412" y="173267"/>
-              <a:ext cx="0" cy="6511464"/>
-            </a:xfrm>
-            <a:prstGeom prst="line">
-              <a:avLst/>
-            </a:prstGeom>
-            <a:ln w="12700">
-              <a:solidFill>
-                <a:srgbClr val="BCBCBC">
-                  <a:alpha val="29804"/>
-                </a:srgbClr>
-              </a:solidFill>
-              <a:prstDash val="sysDot"/>
-            </a:ln>
-          </p:spPr>
-          <p:style>
-            <a:lnRef idx="1">
-              <a:schemeClr val="accent1"/>
-            </a:lnRef>
-            <a:fillRef idx="0">
-              <a:schemeClr val="accent1"/>
-            </a:fillRef>
-            <a:effectRef idx="0">
-              <a:schemeClr val="accent1"/>
-            </a:effectRef>
-            <a:fontRef idx="minor">
-              <a:schemeClr val="tx1"/>
-            </a:fontRef>
-          </p:style>
-        </p:cxnSp>
-      </p:grpSp>
-      <p:sp>
-        <p:nvSpPr>
-          <p:cNvPr id="44" name="Right Triangle 43">
-            <a:extLst>
-              <a:ext uri="{FF2B5EF4-FFF2-40B4-BE49-F238E27FC236}">
-                <a16:creationId xmlns:a16="http://schemas.microsoft.com/office/drawing/2014/main" id="{63D6C682-FD57-4DF7-854F-DD140E1E29B3}"/>
-              </a:ext>
-              <a:ext uri="{C183D7F6-B498-43B3-948B-1728B52AA6E4}">
-                <adec:decorative xmlns:adec="http://schemas.microsoft.com/office/drawing/2017/decorative" val="1"/>
-              </a:ext>
-            </a:extLst>
-          </p:cNvPr>
-          <p:cNvSpPr>
-            <a:spLocks noGrp="1" noRot="1" noChangeAspect="1" noMove="1" noResize="1" noEditPoints="1" noAdjustHandles="1" noChangeArrowheads="1" noChangeShapeType="1" noTextEdit="1"/>
-          </p:cNvSpPr>
-          <p:nvPr>
-            <p:extLst>
-              <p:ext uri="{386F3935-93C4-4BCD-93E2-E3B085C9AB24}">
-                <p16:designElem xmlns:p16="http://schemas.microsoft.com/office/powerpoint/2015/main" val="1"/>
-              </p:ext>
-            </p:extLst>
-          </p:nvPr>
-        </p:nvSpPr>
-        <p:spPr>
-          <a:xfrm rot="13500000">
-            <a:off x="-284142" y="1516213"/>
-            <a:ext cx="568289" cy="568289"/>
-          </a:xfrm>
-          <a:prstGeom prst="rtTriangle">
-            <a:avLst/>
-          </a:prstGeom>
-          <a:solidFill>
-            <a:schemeClr val="accent1">
-              <a:alpha val="50000"/>
-            </a:schemeClr>
-          </a:solidFill>
-          <a:ln>
-            <a:noFill/>
-          </a:ln>
-        </p:spPr>
-        <p:style>
-          <a:lnRef idx="2">
-            <a:schemeClr val="accent1">
-              <a:shade val="50000"/>
-            </a:schemeClr>
-          </a:lnRef>
-          <a:fillRef idx="1">
-            <a:schemeClr val="accent1"/>
-          </a:fillRef>
-          <a:effectRef idx="0">
-            <a:schemeClr val="accent1"/>
-          </a:effectRef>
-          <a:fontRef idx="minor">
-            <a:schemeClr val="lt1"/>
-          </a:fontRef>
-        </p:style>
-        <p:txBody>
-          <a:bodyPr rtlCol="0" anchor="ctr"/>
-          <a:lstStyle/>
-          <a:p>
-            <a:pPr marL="0" marR="0" lvl="0" indent="0" algn="ctr" defTabSz="914400" rtl="0" eaLnBrk="1" fontAlgn="auto" latinLnBrk="0" hangingPunct="1">
-              <a:lnSpc>
-                <a:spcPct val="100000"/>
-              </a:lnSpc>
-              <a:spcBef>
-                <a:spcPts val="0"/>
-              </a:spcBef>
-              <a:spcAft>
-                <a:spcPts val="0"/>
-              </a:spcAft>
-              <a:buClrTx/>
-              <a:buSzTx/>
-              <a:buFontTx/>
-              <a:buNone/>
-              <a:tabLst/>
-              <a:defRPr/>
-            </a:pPr>
-            <a:endParaRPr kumimoji="0" lang="en-US" sz="1800" b="0" i="0" u="none" strike="noStrike" kern="1200" cap="none" spc="0" normalizeH="0" baseline="0" noProof="0">
-              <a:ln>
-                <a:noFill/>
-              </a:ln>
-              <a:solidFill>
-                <a:srgbClr val="000000"/>
-              </a:solidFill>
-              <a:effectLst/>
-              <a:uLnTx/>
-              <a:uFillTx/>
-              <a:latin typeface="Grandview"/>
-              <a:ea typeface="+mn-ea"/>
-              <a:cs typeface="+mn-cs"/>
-            </a:endParaRPr>
-          </a:p>
-        </p:txBody>
-      </p:sp>
-      <p:sp>
-        <p:nvSpPr>
-          <p:cNvPr id="2" name="Title 1">
-            <a:extLst>
-              <a:ext uri="{FF2B5EF4-FFF2-40B4-BE49-F238E27FC236}">
-                <a16:creationId xmlns:a16="http://schemas.microsoft.com/office/drawing/2014/main" id="{CD9E9A87-428E-E0CB-593B-C3AE592D06DC}"/>
-              </a:ext>
-            </a:extLst>
-          </p:cNvPr>
-          <p:cNvSpPr>
-            <a:spLocks noGrp="1"/>
-          </p:cNvSpPr>
-          <p:nvPr>
-            <p:ph type="title"/>
-          </p:nvPr>
-        </p:nvSpPr>
-        <p:spPr>
-          <a:xfrm>
-            <a:off x="691079" y="725951"/>
-            <a:ext cx="10325000" cy="1380515"/>
-          </a:xfrm>
-        </p:spPr>
-        <p:txBody>
-          <a:bodyPr>
-            <a:normAutofit/>
-          </a:bodyPr>
-          <a:lstStyle/>
-          <a:p>
-            <a:pPr>
-              <a:lnSpc>
-                <a:spcPct val="90000"/>
-              </a:lnSpc>
-            </a:pPr>
-            <a:r>
-              <a:rPr lang="en-US" dirty="0"/>
-              <a:t>Roles and Responsibilities and contributions</a:t>
-            </a:r>
-          </a:p>
-        </p:txBody>
-      </p:sp>
-      <p:graphicFrame>
-        <p:nvGraphicFramePr>
-          <p:cNvPr id="5" name="Content Placeholder 2">
-            <a:extLst>
-              <a:ext uri="{FF2B5EF4-FFF2-40B4-BE49-F238E27FC236}">
-                <a16:creationId xmlns:a16="http://schemas.microsoft.com/office/drawing/2014/main" id="{6C9311FF-7913-8A82-6897-FEFF84E48257}"/>
-              </a:ext>
-            </a:extLst>
-          </p:cNvPr>
-          <p:cNvGraphicFramePr>
-            <a:graphicFrameLocks noGrp="1"/>
-          </p:cNvGraphicFramePr>
-          <p:nvPr>
-            <p:ph idx="1"/>
-            <p:extLst>
-              <p:ext uri="{D42A27DB-BD31-4B8C-83A1-F6EECF244321}">
-                <p14:modId xmlns:p14="http://schemas.microsoft.com/office/powerpoint/2010/main" val="2182357614"/>
-              </p:ext>
-            </p:extLst>
-          </p:nvPr>
-        </p:nvGraphicFramePr>
-        <p:xfrm>
-          <a:off x="690562" y="2339975"/>
-          <a:ext cx="11110166" cy="3800328"/>
-        </p:xfrm>
-        <a:graphic>
-          <a:graphicData uri="http://schemas.openxmlformats.org/drawingml/2006/diagram">
-            <dgm:relIds xmlns:dgm="http://schemas.openxmlformats.org/drawingml/2006/diagram" xmlns:r="http://schemas.openxmlformats.org/officeDocument/2006/relationships" r:dm="rId2" r:lo="rId3" r:qs="rId4" r:cs="rId5"/>
-          </a:graphicData>
-        </a:graphic>
-      </p:graphicFrame>
-    </p:spTree>
-    <p:extLst>
-      <p:ext uri="{BB962C8B-B14F-4D97-AF65-F5344CB8AC3E}">
-        <p14:creationId xmlns:p14="http://schemas.microsoft.com/office/powerpoint/2010/main" val="2420137175"/>
-      </p:ext>
-    </p:extLst>
-  </p:cSld>
-  <p:clrMapOvr>
-    <a:masterClrMapping/>
-  </p:clrMapOvr>
-</p:sld>
-</file>
-
-<file path=ppt/slides/slide3.xml><?xml version="1.0" encoding="utf-8"?>
-<p:sld xmlns:a="http://schemas.openxmlformats.org/drawingml/2006/main" xmlns:r="http://schemas.openxmlformats.org/officeDocument/2006/relationships" xmlns:p="http://schemas.openxmlformats.org/presentationml/2006/main">
-  <p:cSld>
-    <p:bg>
-      <p:bgPr>
-        <a:solidFill>
-          <a:schemeClr val="bg1"/>
-        </a:solidFill>
-        <a:effectLst/>
-      </p:bgPr>
-    </p:bg>
-    <p:spTree>
-      <p:nvGrpSpPr>
-        <p:cNvPr id="1" name=""/>
-        <p:cNvGrpSpPr/>
-        <p:nvPr/>
-      </p:nvGrpSpPr>
-      <p:grpSpPr>
-        <a:xfrm>
-          <a:off x="0" y="0"/>
-          <a:ext cx="0" cy="0"/>
-          <a:chOff x="0" y="0"/>
-          <a:chExt cx="0" cy="0"/>
-        </a:xfrm>
-      </p:grpSpPr>
-      <p:sp useBgFill="1">
-        <p:nvSpPr>
           <p:cNvPr id="47" name="Rectangle 9">
             <a:extLst>
               <a:ext uri="{FF2B5EF4-FFF2-40B4-BE49-F238E27FC236}">
@@ -30007,7 +28004,7 @@
 </p:sld>
 </file>
 
-<file path=ppt/slides/slide4.xml><?xml version="1.0" encoding="utf-8"?>
+<file path=ppt/slides/slide3.xml><?xml version="1.0" encoding="utf-8"?>
 <p:sld xmlns:a="http://schemas.openxmlformats.org/drawingml/2006/main" xmlns:r="http://schemas.openxmlformats.org/officeDocument/2006/relationships" xmlns:p="http://schemas.openxmlformats.org/presentationml/2006/main">
   <p:cSld>
     <p:bg>
@@ -32160,6 +30157,2035 @@
     <p:extLst>
       <p:ext uri="{BB962C8B-B14F-4D97-AF65-F5344CB8AC3E}">
         <p14:creationId xmlns:p14="http://schemas.microsoft.com/office/powerpoint/2010/main" val="2101760297"/>
+      </p:ext>
+    </p:extLst>
+  </p:cSld>
+  <p:clrMapOvr>
+    <a:masterClrMapping/>
+  </p:clrMapOvr>
+</p:sld>
+</file>
+
+<file path=ppt/slides/slide4.xml><?xml version="1.0" encoding="utf-8"?>
+<p:sld xmlns:a="http://schemas.openxmlformats.org/drawingml/2006/main" xmlns:r="http://schemas.openxmlformats.org/officeDocument/2006/relationships" xmlns:p="http://schemas.openxmlformats.org/presentationml/2006/main">
+  <p:cSld>
+    <p:bg>
+      <p:bgPr>
+        <a:solidFill>
+          <a:schemeClr val="bg1"/>
+        </a:solidFill>
+        <a:effectLst/>
+      </p:bgPr>
+    </p:bg>
+    <p:spTree>
+      <p:nvGrpSpPr>
+        <p:cNvPr id="1" name=""/>
+        <p:cNvGrpSpPr/>
+        <p:nvPr/>
+      </p:nvGrpSpPr>
+      <p:grpSpPr>
+        <a:xfrm>
+          <a:off x="0" y="0"/>
+          <a:ext cx="0" cy="0"/>
+          <a:chOff x="0" y="0"/>
+          <a:chExt cx="0" cy="0"/>
+        </a:xfrm>
+      </p:grpSpPr>
+      <p:sp useBgFill="1">
+        <p:nvSpPr>
+          <p:cNvPr id="9" name="Rectangle 8">
+            <a:extLst>
+              <a:ext uri="{FF2B5EF4-FFF2-40B4-BE49-F238E27FC236}">
+                <a16:creationId xmlns:a16="http://schemas.microsoft.com/office/drawing/2014/main" id="{9663BDD8-36FC-48B0-8862-3B51BE4F77DA}"/>
+              </a:ext>
+              <a:ext uri="{C183D7F6-B498-43B3-948B-1728B52AA6E4}">
+                <adec:decorative xmlns:adec="http://schemas.microsoft.com/office/drawing/2017/decorative" val="1"/>
+              </a:ext>
+            </a:extLst>
+          </p:cNvPr>
+          <p:cNvSpPr>
+            <a:spLocks noGrp="1" noRot="1" noChangeAspect="1" noMove="1" noResize="1" noEditPoints="1" noAdjustHandles="1" noChangeArrowheads="1" noChangeShapeType="1" noTextEdit="1"/>
+          </p:cNvSpPr>
+          <p:nvPr>
+            <p:extLst>
+              <p:ext uri="{386F3935-93C4-4BCD-93E2-E3B085C9AB24}">
+                <p16:designElem xmlns:p16="http://schemas.microsoft.com/office/powerpoint/2015/main" val="1"/>
+              </p:ext>
+            </p:extLst>
+          </p:nvPr>
+        </p:nvSpPr>
+        <p:spPr>
+          <a:xfrm>
+            <a:off x="0" y="0"/>
+            <a:ext cx="12208613" cy="6858000"/>
+          </a:xfrm>
+          <a:prstGeom prst="rect">
+            <a:avLst/>
+          </a:prstGeom>
+          <a:ln>
+            <a:noFill/>
+          </a:ln>
+        </p:spPr>
+        <p:style>
+          <a:lnRef idx="2">
+            <a:schemeClr val="accent1">
+              <a:shade val="50000"/>
+            </a:schemeClr>
+          </a:lnRef>
+          <a:fillRef idx="1">
+            <a:schemeClr val="accent1"/>
+          </a:fillRef>
+          <a:effectRef idx="0">
+            <a:schemeClr val="accent1"/>
+          </a:effectRef>
+          <a:fontRef idx="minor">
+            <a:schemeClr val="lt1"/>
+          </a:fontRef>
+        </p:style>
+        <p:txBody>
+          <a:bodyPr rtlCol="0" anchor="ctr"/>
+          <a:lstStyle/>
+          <a:p>
+            <a:pPr marL="0" marR="0" lvl="0" indent="0" algn="ctr" defTabSz="914400" rtl="0" eaLnBrk="1" fontAlgn="auto" latinLnBrk="0" hangingPunct="1">
+              <a:lnSpc>
+                <a:spcPct val="100000"/>
+              </a:lnSpc>
+              <a:spcBef>
+                <a:spcPts val="0"/>
+              </a:spcBef>
+              <a:spcAft>
+                <a:spcPts val="0"/>
+              </a:spcAft>
+              <a:buClrTx/>
+              <a:buSzTx/>
+              <a:buFontTx/>
+              <a:buNone/>
+              <a:tabLst/>
+              <a:defRPr/>
+            </a:pPr>
+            <a:endParaRPr kumimoji="0" lang="en-US" sz="1800" b="0" i="0" u="none" strike="noStrike" kern="1200" cap="none" spc="0" normalizeH="0" baseline="0" noProof="0">
+              <a:ln>
+                <a:noFill/>
+              </a:ln>
+              <a:solidFill>
+                <a:srgbClr val="FFFFFF"/>
+              </a:solidFill>
+              <a:effectLst/>
+              <a:uLnTx/>
+              <a:uFillTx/>
+              <a:latin typeface="Grandview"/>
+              <a:ea typeface="+mn-ea"/>
+              <a:cs typeface="+mn-cs"/>
+            </a:endParaRPr>
+          </a:p>
+        </p:txBody>
+      </p:sp>
+      <p:grpSp>
+        <p:nvGrpSpPr>
+          <p:cNvPr id="11" name="Group 10">
+            <a:extLst>
+              <a:ext uri="{FF2B5EF4-FFF2-40B4-BE49-F238E27FC236}">
+                <a16:creationId xmlns:a16="http://schemas.microsoft.com/office/drawing/2014/main" id="{C15A19D0-2BD2-47E7-A51B-B8083A14E791}"/>
+              </a:ext>
+              <a:ext uri="{C183D7F6-B498-43B3-948B-1728B52AA6E4}">
+                <adec:decorative xmlns:adec="http://schemas.microsoft.com/office/drawing/2017/decorative" val="1"/>
+              </a:ext>
+            </a:extLst>
+          </p:cNvPr>
+          <p:cNvGrpSpPr>
+            <a:grpSpLocks noGrp="1" noUngrp="1" noRot="1" noChangeAspect="1" noMove="1" noResize="1"/>
+          </p:cNvGrpSpPr>
+          <p:nvPr>
+            <p:extLst>
+              <p:ext uri="{386F3935-93C4-4BCD-93E2-E3B085C9AB24}">
+                <p16:designElem xmlns:p16="http://schemas.microsoft.com/office/powerpoint/2015/main" val="1"/>
+              </p:ext>
+            </p:extLst>
+          </p:nvPr>
+        </p:nvGrpSpPr>
+        <p:grpSpPr>
+          <a:xfrm>
+            <a:off x="-6214" y="-1"/>
+            <a:ext cx="12214827" cy="6858000"/>
+            <a:chOff x="-6214" y="-1"/>
+            <a:chExt cx="12214827" cy="6858000"/>
+          </a:xfrm>
+        </p:grpSpPr>
+        <p:cxnSp>
+          <p:nvCxnSpPr>
+            <p:cNvPr id="12" name="Straight Connector 11">
+              <a:extLst>
+                <a:ext uri="{FF2B5EF4-FFF2-40B4-BE49-F238E27FC236}">
+                  <a16:creationId xmlns:a16="http://schemas.microsoft.com/office/drawing/2014/main" id="{F6641F14-42D8-42E0-8B56-FC0A08EB2E64}"/>
+                </a:ext>
+                <a:ext uri="{C183D7F6-B498-43B3-948B-1728B52AA6E4}">
+                  <adec:decorative xmlns:adec="http://schemas.microsoft.com/office/drawing/2017/decorative" val="1"/>
+                </a:ext>
+              </a:extLst>
+            </p:cNvPr>
+            <p:cNvCxnSpPr>
+              <a:cxnSpLocks/>
+            </p:cNvCxnSpPr>
+            <p:nvPr>
+              <p:extLst>
+                <p:ext uri="{386F3935-93C4-4BCD-93E2-E3B085C9AB24}">
+                  <p16:designElem xmlns:p16="http://schemas.microsoft.com/office/powerpoint/2015/main" val="1"/>
+                </p:ext>
+              </p:extLst>
+            </p:nvPr>
+          </p:nvCxnSpPr>
+          <p:spPr>
+            <a:xfrm>
+              <a:off x="-6214" y="6686283"/>
+              <a:ext cx="12192000" cy="0"/>
+            </a:xfrm>
+            <a:prstGeom prst="line">
+              <a:avLst/>
+            </a:prstGeom>
+            <a:ln w="12700">
+              <a:solidFill>
+                <a:srgbClr val="BCBCBC">
+                  <a:alpha val="29804"/>
+                </a:srgbClr>
+              </a:solidFill>
+              <a:prstDash val="sysDot"/>
+            </a:ln>
+          </p:spPr>
+          <p:style>
+            <a:lnRef idx="1">
+              <a:schemeClr val="accent1"/>
+            </a:lnRef>
+            <a:fillRef idx="0">
+              <a:schemeClr val="accent1"/>
+            </a:fillRef>
+            <a:effectRef idx="0">
+              <a:schemeClr val="accent1"/>
+            </a:effectRef>
+            <a:fontRef idx="minor">
+              <a:schemeClr val="tx1"/>
+            </a:fontRef>
+          </p:style>
+        </p:cxnSp>
+        <p:cxnSp>
+          <p:nvCxnSpPr>
+            <p:cNvPr id="13" name="Straight Connector 12">
+              <a:extLst>
+                <a:ext uri="{FF2B5EF4-FFF2-40B4-BE49-F238E27FC236}">
+                  <a16:creationId xmlns:a16="http://schemas.microsoft.com/office/drawing/2014/main" id="{3F3FEF18-8973-49F1-B984-81E630730368}"/>
+                </a:ext>
+                <a:ext uri="{C183D7F6-B498-43B3-948B-1728B52AA6E4}">
+                  <adec:decorative xmlns:adec="http://schemas.microsoft.com/office/drawing/2017/decorative" val="1"/>
+                </a:ext>
+              </a:extLst>
+            </p:cNvPr>
+            <p:cNvCxnSpPr>
+              <a:cxnSpLocks/>
+            </p:cNvCxnSpPr>
+            <p:nvPr>
+              <p:extLst>
+                <p:ext uri="{386F3935-93C4-4BCD-93E2-E3B085C9AB24}">
+                  <p16:designElem xmlns:p16="http://schemas.microsoft.com/office/powerpoint/2015/main" val="1"/>
+                </p:ext>
+              </p:extLst>
+            </p:nvPr>
+          </p:nvCxnSpPr>
+          <p:spPr>
+            <a:xfrm>
+              <a:off x="0" y="-1"/>
+              <a:ext cx="0" cy="6858000"/>
+            </a:xfrm>
+            <a:prstGeom prst="line">
+              <a:avLst/>
+            </a:prstGeom>
+            <a:ln w="12700">
+              <a:solidFill>
+                <a:srgbClr val="BCBCBC">
+                  <a:alpha val="29804"/>
+                </a:srgbClr>
+              </a:solidFill>
+              <a:prstDash val="sysDot"/>
+            </a:ln>
+          </p:spPr>
+          <p:style>
+            <a:lnRef idx="1">
+              <a:schemeClr val="accent1"/>
+            </a:lnRef>
+            <a:fillRef idx="0">
+              <a:schemeClr val="accent1"/>
+            </a:fillRef>
+            <a:effectRef idx="0">
+              <a:schemeClr val="accent1"/>
+            </a:effectRef>
+            <a:fontRef idx="minor">
+              <a:schemeClr val="tx1"/>
+            </a:fontRef>
+          </p:style>
+        </p:cxnSp>
+        <p:cxnSp>
+          <p:nvCxnSpPr>
+            <p:cNvPr id="14" name="Straight Connector 13">
+              <a:extLst>
+                <a:ext uri="{FF2B5EF4-FFF2-40B4-BE49-F238E27FC236}">
+                  <a16:creationId xmlns:a16="http://schemas.microsoft.com/office/drawing/2014/main" id="{28FEE187-7ECD-4C55-BE26-0DA3DDE0ED9B}"/>
+                </a:ext>
+                <a:ext uri="{C183D7F6-B498-43B3-948B-1728B52AA6E4}">
+                  <adec:decorative xmlns:adec="http://schemas.microsoft.com/office/drawing/2017/decorative" val="1"/>
+                </a:ext>
+              </a:extLst>
+            </p:cNvPr>
+            <p:cNvCxnSpPr>
+              <a:cxnSpLocks/>
+            </p:cNvCxnSpPr>
+            <p:nvPr>
+              <p:extLst>
+                <p:ext uri="{386F3935-93C4-4BCD-93E2-E3B085C9AB24}">
+                  <p16:designElem xmlns:p16="http://schemas.microsoft.com/office/powerpoint/2015/main" val="1"/>
+                </p:ext>
+              </p:extLst>
+            </p:nvPr>
+          </p:nvCxnSpPr>
+          <p:spPr>
+            <a:xfrm>
+              <a:off x="11993258" y="-1"/>
+              <a:ext cx="0" cy="6858000"/>
+            </a:xfrm>
+            <a:prstGeom prst="line">
+              <a:avLst/>
+            </a:prstGeom>
+            <a:ln w="12700">
+              <a:solidFill>
+                <a:srgbClr val="BCBCBC">
+                  <a:alpha val="29804"/>
+                </a:srgbClr>
+              </a:solidFill>
+              <a:prstDash val="sysDot"/>
+            </a:ln>
+          </p:spPr>
+          <p:style>
+            <a:lnRef idx="1">
+              <a:schemeClr val="accent1"/>
+            </a:lnRef>
+            <a:fillRef idx="0">
+              <a:schemeClr val="accent1"/>
+            </a:fillRef>
+            <a:effectRef idx="0">
+              <a:schemeClr val="accent1"/>
+            </a:effectRef>
+            <a:fontRef idx="minor">
+              <a:schemeClr val="tx1"/>
+            </a:fontRef>
+          </p:style>
+        </p:cxnSp>
+        <p:cxnSp>
+          <p:nvCxnSpPr>
+            <p:cNvPr id="15" name="Straight Connector 14">
+              <a:extLst>
+                <a:ext uri="{FF2B5EF4-FFF2-40B4-BE49-F238E27FC236}">
+                  <a16:creationId xmlns:a16="http://schemas.microsoft.com/office/drawing/2014/main" id="{38708818-667C-4218-8552-2975EB0047EE}"/>
+                </a:ext>
+                <a:ext uri="{C183D7F6-B498-43B3-948B-1728B52AA6E4}">
+                  <adec:decorative xmlns:adec="http://schemas.microsoft.com/office/drawing/2017/decorative" val="1"/>
+                </a:ext>
+              </a:extLst>
+            </p:cNvPr>
+            <p:cNvCxnSpPr>
+              <a:cxnSpLocks/>
+            </p:cNvCxnSpPr>
+            <p:nvPr>
+              <p:extLst>
+                <p:ext uri="{386F3935-93C4-4BCD-93E2-E3B085C9AB24}">
+                  <p16:designElem xmlns:p16="http://schemas.microsoft.com/office/powerpoint/2015/main" val="1"/>
+                </p:ext>
+              </p:extLst>
+            </p:nvPr>
+          </p:nvCxnSpPr>
+          <p:spPr>
+            <a:xfrm>
+              <a:off x="192528" y="-1"/>
+              <a:ext cx="0" cy="6858000"/>
+            </a:xfrm>
+            <a:prstGeom prst="line">
+              <a:avLst/>
+            </a:prstGeom>
+            <a:ln w="12700">
+              <a:solidFill>
+                <a:srgbClr val="BCBCBC">
+                  <a:alpha val="29804"/>
+                </a:srgbClr>
+              </a:solidFill>
+              <a:prstDash val="sysDot"/>
+            </a:ln>
+          </p:spPr>
+          <p:style>
+            <a:lnRef idx="1">
+              <a:schemeClr val="accent1"/>
+            </a:lnRef>
+            <a:fillRef idx="0">
+              <a:schemeClr val="accent1"/>
+            </a:fillRef>
+            <a:effectRef idx="0">
+              <a:schemeClr val="accent1"/>
+            </a:effectRef>
+            <a:fontRef idx="minor">
+              <a:schemeClr val="tx1"/>
+            </a:fontRef>
+          </p:style>
+        </p:cxnSp>
+        <p:cxnSp>
+          <p:nvCxnSpPr>
+            <p:cNvPr id="16" name="Straight Connector 15">
+              <a:extLst>
+                <a:ext uri="{FF2B5EF4-FFF2-40B4-BE49-F238E27FC236}">
+                  <a16:creationId xmlns:a16="http://schemas.microsoft.com/office/drawing/2014/main" id="{2FA1A626-67CE-4E24-974F-C432A21D1DE9}"/>
+                </a:ext>
+                <a:ext uri="{C183D7F6-B498-43B3-948B-1728B52AA6E4}">
+                  <adec:decorative xmlns:adec="http://schemas.microsoft.com/office/drawing/2017/decorative" val="1"/>
+                </a:ext>
+              </a:extLst>
+            </p:cNvPr>
+            <p:cNvCxnSpPr>
+              <a:cxnSpLocks/>
+            </p:cNvCxnSpPr>
+            <p:nvPr>
+              <p:extLst>
+                <p:ext uri="{386F3935-93C4-4BCD-93E2-E3B085C9AB24}">
+                  <p16:designElem xmlns:p16="http://schemas.microsoft.com/office/powerpoint/2015/main" val="1"/>
+                </p:ext>
+              </p:extLst>
+            </p:nvPr>
+          </p:nvCxnSpPr>
+          <p:spPr>
+            <a:xfrm>
+              <a:off x="1175922" y="-1"/>
+              <a:ext cx="0" cy="6858000"/>
+            </a:xfrm>
+            <a:prstGeom prst="line">
+              <a:avLst/>
+            </a:prstGeom>
+            <a:ln w="12700">
+              <a:solidFill>
+                <a:srgbClr val="BCBCBC">
+                  <a:alpha val="29804"/>
+                </a:srgbClr>
+              </a:solidFill>
+              <a:prstDash val="sysDot"/>
+            </a:ln>
+          </p:spPr>
+          <p:style>
+            <a:lnRef idx="1">
+              <a:schemeClr val="accent1"/>
+            </a:lnRef>
+            <a:fillRef idx="0">
+              <a:schemeClr val="accent1"/>
+            </a:fillRef>
+            <a:effectRef idx="0">
+              <a:schemeClr val="accent1"/>
+            </a:effectRef>
+            <a:fontRef idx="minor">
+              <a:schemeClr val="tx1"/>
+            </a:fontRef>
+          </p:style>
+        </p:cxnSp>
+        <p:cxnSp>
+          <p:nvCxnSpPr>
+            <p:cNvPr id="17" name="Straight Connector 16">
+              <a:extLst>
+                <a:ext uri="{FF2B5EF4-FFF2-40B4-BE49-F238E27FC236}">
+                  <a16:creationId xmlns:a16="http://schemas.microsoft.com/office/drawing/2014/main" id="{70029D28-01D8-4EB8-B30C-79D6F14E6CB5}"/>
+                </a:ext>
+                <a:ext uri="{C183D7F6-B498-43B3-948B-1728B52AA6E4}">
+                  <adec:decorative xmlns:adec="http://schemas.microsoft.com/office/drawing/2017/decorative" val="1"/>
+                </a:ext>
+              </a:extLst>
+            </p:cNvPr>
+            <p:cNvCxnSpPr>
+              <a:cxnSpLocks/>
+            </p:cNvCxnSpPr>
+            <p:nvPr>
+              <p:extLst>
+                <p:ext uri="{386F3935-93C4-4BCD-93E2-E3B085C9AB24}">
+                  <p16:designElem xmlns:p16="http://schemas.microsoft.com/office/powerpoint/2015/main" val="1"/>
+                </p:ext>
+              </p:extLst>
+            </p:nvPr>
+          </p:nvCxnSpPr>
+          <p:spPr>
+            <a:xfrm>
+              <a:off x="2159316" y="-1"/>
+              <a:ext cx="0" cy="6858000"/>
+            </a:xfrm>
+            <a:prstGeom prst="line">
+              <a:avLst/>
+            </a:prstGeom>
+            <a:ln w="12700">
+              <a:solidFill>
+                <a:srgbClr val="BCBCBC">
+                  <a:alpha val="29804"/>
+                </a:srgbClr>
+              </a:solidFill>
+              <a:prstDash val="sysDot"/>
+            </a:ln>
+          </p:spPr>
+          <p:style>
+            <a:lnRef idx="1">
+              <a:schemeClr val="accent1"/>
+            </a:lnRef>
+            <a:fillRef idx="0">
+              <a:schemeClr val="accent1"/>
+            </a:fillRef>
+            <a:effectRef idx="0">
+              <a:schemeClr val="accent1"/>
+            </a:effectRef>
+            <a:fontRef idx="minor">
+              <a:schemeClr val="tx1"/>
+            </a:fontRef>
+          </p:style>
+        </p:cxnSp>
+        <p:cxnSp>
+          <p:nvCxnSpPr>
+            <p:cNvPr id="18" name="Straight Connector 17">
+              <a:extLst>
+                <a:ext uri="{FF2B5EF4-FFF2-40B4-BE49-F238E27FC236}">
+                  <a16:creationId xmlns:a16="http://schemas.microsoft.com/office/drawing/2014/main" id="{124E501C-EBFD-4E76-8F7F-9EFA76EFFD78}"/>
+                </a:ext>
+                <a:ext uri="{C183D7F6-B498-43B3-948B-1728B52AA6E4}">
+                  <adec:decorative xmlns:adec="http://schemas.microsoft.com/office/drawing/2017/decorative" val="1"/>
+                </a:ext>
+              </a:extLst>
+            </p:cNvPr>
+            <p:cNvCxnSpPr>
+              <a:cxnSpLocks/>
+            </p:cNvCxnSpPr>
+            <p:nvPr>
+              <p:extLst>
+                <p:ext uri="{386F3935-93C4-4BCD-93E2-E3B085C9AB24}">
+                  <p16:designElem xmlns:p16="http://schemas.microsoft.com/office/powerpoint/2015/main" val="1"/>
+                </p:ext>
+              </p:extLst>
+            </p:nvPr>
+          </p:nvCxnSpPr>
+          <p:spPr>
+            <a:xfrm>
+              <a:off x="3142710" y="-1"/>
+              <a:ext cx="0" cy="6858000"/>
+            </a:xfrm>
+            <a:prstGeom prst="line">
+              <a:avLst/>
+            </a:prstGeom>
+            <a:ln w="12700">
+              <a:solidFill>
+                <a:srgbClr val="BCBCBC">
+                  <a:alpha val="29804"/>
+                </a:srgbClr>
+              </a:solidFill>
+              <a:prstDash val="sysDot"/>
+            </a:ln>
+          </p:spPr>
+          <p:style>
+            <a:lnRef idx="1">
+              <a:schemeClr val="accent1"/>
+            </a:lnRef>
+            <a:fillRef idx="0">
+              <a:schemeClr val="accent1"/>
+            </a:fillRef>
+            <a:effectRef idx="0">
+              <a:schemeClr val="accent1"/>
+            </a:effectRef>
+            <a:fontRef idx="minor">
+              <a:schemeClr val="tx1"/>
+            </a:fontRef>
+          </p:style>
+        </p:cxnSp>
+        <p:cxnSp>
+          <p:nvCxnSpPr>
+            <p:cNvPr id="19" name="Straight Connector 18">
+              <a:extLst>
+                <a:ext uri="{FF2B5EF4-FFF2-40B4-BE49-F238E27FC236}">
+                  <a16:creationId xmlns:a16="http://schemas.microsoft.com/office/drawing/2014/main" id="{404596B9-52A8-4717-8158-2204F86D95B1}"/>
+                </a:ext>
+                <a:ext uri="{C183D7F6-B498-43B3-948B-1728B52AA6E4}">
+                  <adec:decorative xmlns:adec="http://schemas.microsoft.com/office/drawing/2017/decorative" val="1"/>
+                </a:ext>
+              </a:extLst>
+            </p:cNvPr>
+            <p:cNvCxnSpPr>
+              <a:cxnSpLocks/>
+            </p:cNvCxnSpPr>
+            <p:nvPr>
+              <p:extLst>
+                <p:ext uri="{386F3935-93C4-4BCD-93E2-E3B085C9AB24}">
+                  <p16:designElem xmlns:p16="http://schemas.microsoft.com/office/powerpoint/2015/main" val="1"/>
+                </p:ext>
+              </p:extLst>
+            </p:nvPr>
+          </p:nvCxnSpPr>
+          <p:spPr>
+            <a:xfrm>
+              <a:off x="4126104" y="-1"/>
+              <a:ext cx="0" cy="6858000"/>
+            </a:xfrm>
+            <a:prstGeom prst="line">
+              <a:avLst/>
+            </a:prstGeom>
+            <a:ln w="12700">
+              <a:solidFill>
+                <a:srgbClr val="BCBCBC">
+                  <a:alpha val="29804"/>
+                </a:srgbClr>
+              </a:solidFill>
+              <a:prstDash val="sysDot"/>
+            </a:ln>
+          </p:spPr>
+          <p:style>
+            <a:lnRef idx="1">
+              <a:schemeClr val="accent1"/>
+            </a:lnRef>
+            <a:fillRef idx="0">
+              <a:schemeClr val="accent1"/>
+            </a:fillRef>
+            <a:effectRef idx="0">
+              <a:schemeClr val="accent1"/>
+            </a:effectRef>
+            <a:fontRef idx="minor">
+              <a:schemeClr val="tx1"/>
+            </a:fontRef>
+          </p:style>
+        </p:cxnSp>
+        <p:cxnSp>
+          <p:nvCxnSpPr>
+            <p:cNvPr id="20" name="Straight Connector 19">
+              <a:extLst>
+                <a:ext uri="{FF2B5EF4-FFF2-40B4-BE49-F238E27FC236}">
+                  <a16:creationId xmlns:a16="http://schemas.microsoft.com/office/drawing/2014/main" id="{F1EC080A-A9BB-467A-92A9-D597436B743D}"/>
+                </a:ext>
+                <a:ext uri="{C183D7F6-B498-43B3-948B-1728B52AA6E4}">
+                  <adec:decorative xmlns:adec="http://schemas.microsoft.com/office/drawing/2017/decorative" val="1"/>
+                </a:ext>
+              </a:extLst>
+            </p:cNvPr>
+            <p:cNvCxnSpPr>
+              <a:cxnSpLocks/>
+            </p:cNvCxnSpPr>
+            <p:nvPr>
+              <p:extLst>
+                <p:ext uri="{386F3935-93C4-4BCD-93E2-E3B085C9AB24}">
+                  <p16:designElem xmlns:p16="http://schemas.microsoft.com/office/powerpoint/2015/main" val="1"/>
+                </p:ext>
+              </p:extLst>
+            </p:nvPr>
+          </p:nvCxnSpPr>
+          <p:spPr>
+            <a:xfrm>
+              <a:off x="5109498" y="-1"/>
+              <a:ext cx="0" cy="6858000"/>
+            </a:xfrm>
+            <a:prstGeom prst="line">
+              <a:avLst/>
+            </a:prstGeom>
+            <a:ln w="12700">
+              <a:solidFill>
+                <a:srgbClr val="BCBCBC">
+                  <a:alpha val="29804"/>
+                </a:srgbClr>
+              </a:solidFill>
+              <a:prstDash val="sysDot"/>
+            </a:ln>
+          </p:spPr>
+          <p:style>
+            <a:lnRef idx="1">
+              <a:schemeClr val="accent1"/>
+            </a:lnRef>
+            <a:fillRef idx="0">
+              <a:schemeClr val="accent1"/>
+            </a:fillRef>
+            <a:effectRef idx="0">
+              <a:schemeClr val="accent1"/>
+            </a:effectRef>
+            <a:fontRef idx="minor">
+              <a:schemeClr val="tx1"/>
+            </a:fontRef>
+          </p:style>
+        </p:cxnSp>
+        <p:cxnSp>
+          <p:nvCxnSpPr>
+            <p:cNvPr id="21" name="Straight Connector 20">
+              <a:extLst>
+                <a:ext uri="{FF2B5EF4-FFF2-40B4-BE49-F238E27FC236}">
+                  <a16:creationId xmlns:a16="http://schemas.microsoft.com/office/drawing/2014/main" id="{F65DD030-3FCC-4380-B680-8E171845F27B}"/>
+                </a:ext>
+                <a:ext uri="{C183D7F6-B498-43B3-948B-1728B52AA6E4}">
+                  <adec:decorative xmlns:adec="http://schemas.microsoft.com/office/drawing/2017/decorative" val="1"/>
+                </a:ext>
+              </a:extLst>
+            </p:cNvPr>
+            <p:cNvCxnSpPr>
+              <a:cxnSpLocks/>
+            </p:cNvCxnSpPr>
+            <p:nvPr>
+              <p:extLst>
+                <p:ext uri="{386F3935-93C4-4BCD-93E2-E3B085C9AB24}">
+                  <p16:designElem xmlns:p16="http://schemas.microsoft.com/office/powerpoint/2015/main" val="1"/>
+                </p:ext>
+              </p:extLst>
+            </p:nvPr>
+          </p:nvCxnSpPr>
+          <p:spPr>
+            <a:xfrm>
+              <a:off x="6092892" y="-1"/>
+              <a:ext cx="0" cy="6858000"/>
+            </a:xfrm>
+            <a:prstGeom prst="line">
+              <a:avLst/>
+            </a:prstGeom>
+            <a:ln w="12700">
+              <a:solidFill>
+                <a:srgbClr val="BCBCBC">
+                  <a:alpha val="29804"/>
+                </a:srgbClr>
+              </a:solidFill>
+              <a:prstDash val="sysDot"/>
+            </a:ln>
+          </p:spPr>
+          <p:style>
+            <a:lnRef idx="1">
+              <a:schemeClr val="accent1"/>
+            </a:lnRef>
+            <a:fillRef idx="0">
+              <a:schemeClr val="accent1"/>
+            </a:fillRef>
+            <a:effectRef idx="0">
+              <a:schemeClr val="accent1"/>
+            </a:effectRef>
+            <a:fontRef idx="minor">
+              <a:schemeClr val="tx1"/>
+            </a:fontRef>
+          </p:style>
+        </p:cxnSp>
+        <p:cxnSp>
+          <p:nvCxnSpPr>
+            <p:cNvPr id="22" name="Straight Connector 21">
+              <a:extLst>
+                <a:ext uri="{FF2B5EF4-FFF2-40B4-BE49-F238E27FC236}">
+                  <a16:creationId xmlns:a16="http://schemas.microsoft.com/office/drawing/2014/main" id="{F015E10D-03D4-4A67-8377-5B0A55F3D07B}"/>
+                </a:ext>
+                <a:ext uri="{C183D7F6-B498-43B3-948B-1728B52AA6E4}">
+                  <adec:decorative xmlns:adec="http://schemas.microsoft.com/office/drawing/2017/decorative" val="1"/>
+                </a:ext>
+              </a:extLst>
+            </p:cNvPr>
+            <p:cNvCxnSpPr>
+              <a:cxnSpLocks/>
+            </p:cNvCxnSpPr>
+            <p:nvPr>
+              <p:extLst>
+                <p:ext uri="{386F3935-93C4-4BCD-93E2-E3B085C9AB24}">
+                  <p16:designElem xmlns:p16="http://schemas.microsoft.com/office/powerpoint/2015/main" val="1"/>
+                </p:ext>
+              </p:extLst>
+            </p:nvPr>
+          </p:nvCxnSpPr>
+          <p:spPr>
+            <a:xfrm>
+              <a:off x="7076286" y="-1"/>
+              <a:ext cx="0" cy="6858000"/>
+            </a:xfrm>
+            <a:prstGeom prst="line">
+              <a:avLst/>
+            </a:prstGeom>
+            <a:ln w="12700">
+              <a:solidFill>
+                <a:srgbClr val="BCBCBC">
+                  <a:alpha val="29804"/>
+                </a:srgbClr>
+              </a:solidFill>
+              <a:prstDash val="sysDot"/>
+            </a:ln>
+          </p:spPr>
+          <p:style>
+            <a:lnRef idx="1">
+              <a:schemeClr val="accent1"/>
+            </a:lnRef>
+            <a:fillRef idx="0">
+              <a:schemeClr val="accent1"/>
+            </a:fillRef>
+            <a:effectRef idx="0">
+              <a:schemeClr val="accent1"/>
+            </a:effectRef>
+            <a:fontRef idx="minor">
+              <a:schemeClr val="tx1"/>
+            </a:fontRef>
+          </p:style>
+        </p:cxnSp>
+        <p:cxnSp>
+          <p:nvCxnSpPr>
+            <p:cNvPr id="23" name="Straight Connector 22">
+              <a:extLst>
+                <a:ext uri="{FF2B5EF4-FFF2-40B4-BE49-F238E27FC236}">
+                  <a16:creationId xmlns:a16="http://schemas.microsoft.com/office/drawing/2014/main" id="{2DB96670-ACA9-42B6-87A2-E4119998998A}"/>
+                </a:ext>
+                <a:ext uri="{C183D7F6-B498-43B3-948B-1728B52AA6E4}">
+                  <adec:decorative xmlns:adec="http://schemas.microsoft.com/office/drawing/2017/decorative" val="1"/>
+                </a:ext>
+              </a:extLst>
+            </p:cNvPr>
+            <p:cNvCxnSpPr>
+              <a:cxnSpLocks/>
+            </p:cNvCxnSpPr>
+            <p:nvPr>
+              <p:extLst>
+                <p:ext uri="{386F3935-93C4-4BCD-93E2-E3B085C9AB24}">
+                  <p16:designElem xmlns:p16="http://schemas.microsoft.com/office/powerpoint/2015/main" val="1"/>
+                </p:ext>
+              </p:extLst>
+            </p:nvPr>
+          </p:nvCxnSpPr>
+          <p:spPr>
+            <a:xfrm>
+              <a:off x="8059680" y="-1"/>
+              <a:ext cx="0" cy="6858000"/>
+            </a:xfrm>
+            <a:prstGeom prst="line">
+              <a:avLst/>
+            </a:prstGeom>
+            <a:ln w="12700">
+              <a:solidFill>
+                <a:srgbClr val="BCBCBC">
+                  <a:alpha val="29804"/>
+                </a:srgbClr>
+              </a:solidFill>
+              <a:prstDash val="sysDot"/>
+            </a:ln>
+          </p:spPr>
+          <p:style>
+            <a:lnRef idx="1">
+              <a:schemeClr val="accent1"/>
+            </a:lnRef>
+            <a:fillRef idx="0">
+              <a:schemeClr val="accent1"/>
+            </a:fillRef>
+            <a:effectRef idx="0">
+              <a:schemeClr val="accent1"/>
+            </a:effectRef>
+            <a:fontRef idx="minor">
+              <a:schemeClr val="tx1"/>
+            </a:fontRef>
+          </p:style>
+        </p:cxnSp>
+        <p:cxnSp>
+          <p:nvCxnSpPr>
+            <p:cNvPr id="24" name="Straight Connector 23">
+              <a:extLst>
+                <a:ext uri="{FF2B5EF4-FFF2-40B4-BE49-F238E27FC236}">
+                  <a16:creationId xmlns:a16="http://schemas.microsoft.com/office/drawing/2014/main" id="{A2BC8247-310E-48D0-9CEF-43BC6E41A2C5}"/>
+                </a:ext>
+                <a:ext uri="{C183D7F6-B498-43B3-948B-1728B52AA6E4}">
+                  <adec:decorative xmlns:adec="http://schemas.microsoft.com/office/drawing/2017/decorative" val="1"/>
+                </a:ext>
+              </a:extLst>
+            </p:cNvPr>
+            <p:cNvCxnSpPr>
+              <a:cxnSpLocks/>
+            </p:cNvCxnSpPr>
+            <p:nvPr>
+              <p:extLst>
+                <p:ext uri="{386F3935-93C4-4BCD-93E2-E3B085C9AB24}">
+                  <p16:designElem xmlns:p16="http://schemas.microsoft.com/office/powerpoint/2015/main" val="1"/>
+                </p:ext>
+              </p:extLst>
+            </p:nvPr>
+          </p:nvCxnSpPr>
+          <p:spPr>
+            <a:xfrm>
+              <a:off x="9043074" y="-1"/>
+              <a:ext cx="0" cy="6858000"/>
+            </a:xfrm>
+            <a:prstGeom prst="line">
+              <a:avLst/>
+            </a:prstGeom>
+            <a:ln w="12700">
+              <a:solidFill>
+                <a:srgbClr val="BCBCBC">
+                  <a:alpha val="29804"/>
+                </a:srgbClr>
+              </a:solidFill>
+              <a:prstDash val="sysDot"/>
+            </a:ln>
+          </p:spPr>
+          <p:style>
+            <a:lnRef idx="1">
+              <a:schemeClr val="accent1"/>
+            </a:lnRef>
+            <a:fillRef idx="0">
+              <a:schemeClr val="accent1"/>
+            </a:fillRef>
+            <a:effectRef idx="0">
+              <a:schemeClr val="accent1"/>
+            </a:effectRef>
+            <a:fontRef idx="minor">
+              <a:schemeClr val="tx1"/>
+            </a:fontRef>
+          </p:style>
+        </p:cxnSp>
+        <p:cxnSp>
+          <p:nvCxnSpPr>
+            <p:cNvPr id="25" name="Straight Connector 24">
+              <a:extLst>
+                <a:ext uri="{FF2B5EF4-FFF2-40B4-BE49-F238E27FC236}">
+                  <a16:creationId xmlns:a16="http://schemas.microsoft.com/office/drawing/2014/main" id="{32F09D0F-F86F-4AA5-AB1D-AAB1E5BA9228}"/>
+                </a:ext>
+                <a:ext uri="{C183D7F6-B498-43B3-948B-1728B52AA6E4}">
+                  <adec:decorative xmlns:adec="http://schemas.microsoft.com/office/drawing/2017/decorative" val="1"/>
+                </a:ext>
+              </a:extLst>
+            </p:cNvPr>
+            <p:cNvCxnSpPr>
+              <a:cxnSpLocks/>
+            </p:cNvCxnSpPr>
+            <p:nvPr>
+              <p:extLst>
+                <p:ext uri="{386F3935-93C4-4BCD-93E2-E3B085C9AB24}">
+                  <p16:designElem xmlns:p16="http://schemas.microsoft.com/office/powerpoint/2015/main" val="1"/>
+                </p:ext>
+              </p:extLst>
+            </p:nvPr>
+          </p:nvCxnSpPr>
+          <p:spPr>
+            <a:xfrm>
+              <a:off x="10026468" y="-1"/>
+              <a:ext cx="0" cy="6858000"/>
+            </a:xfrm>
+            <a:prstGeom prst="line">
+              <a:avLst/>
+            </a:prstGeom>
+            <a:ln w="12700">
+              <a:solidFill>
+                <a:srgbClr val="BCBCBC">
+                  <a:alpha val="29804"/>
+                </a:srgbClr>
+              </a:solidFill>
+              <a:prstDash val="sysDot"/>
+            </a:ln>
+          </p:spPr>
+          <p:style>
+            <a:lnRef idx="1">
+              <a:schemeClr val="accent1"/>
+            </a:lnRef>
+            <a:fillRef idx="0">
+              <a:schemeClr val="accent1"/>
+            </a:fillRef>
+            <a:effectRef idx="0">
+              <a:schemeClr val="accent1"/>
+            </a:effectRef>
+            <a:fontRef idx="minor">
+              <a:schemeClr val="tx1"/>
+            </a:fontRef>
+          </p:style>
+        </p:cxnSp>
+        <p:cxnSp>
+          <p:nvCxnSpPr>
+            <p:cNvPr id="26" name="Straight Connector 25">
+              <a:extLst>
+                <a:ext uri="{FF2B5EF4-FFF2-40B4-BE49-F238E27FC236}">
+                  <a16:creationId xmlns:a16="http://schemas.microsoft.com/office/drawing/2014/main" id="{09569AF0-6598-4FCC-803D-B3C3DE030B64}"/>
+                </a:ext>
+                <a:ext uri="{C183D7F6-B498-43B3-948B-1728B52AA6E4}">
+                  <adec:decorative xmlns:adec="http://schemas.microsoft.com/office/drawing/2017/decorative" val="1"/>
+                </a:ext>
+              </a:extLst>
+            </p:cNvPr>
+            <p:cNvCxnSpPr>
+              <a:cxnSpLocks/>
+            </p:cNvCxnSpPr>
+            <p:nvPr>
+              <p:extLst>
+                <p:ext uri="{386F3935-93C4-4BCD-93E2-E3B085C9AB24}">
+                  <p16:designElem xmlns:p16="http://schemas.microsoft.com/office/powerpoint/2015/main" val="1"/>
+                </p:ext>
+              </p:extLst>
+            </p:nvPr>
+          </p:nvCxnSpPr>
+          <p:spPr>
+            <a:xfrm>
+              <a:off x="11009862" y="-1"/>
+              <a:ext cx="0" cy="6858000"/>
+            </a:xfrm>
+            <a:prstGeom prst="line">
+              <a:avLst/>
+            </a:prstGeom>
+            <a:ln w="12700">
+              <a:solidFill>
+                <a:srgbClr val="BCBCBC">
+                  <a:alpha val="29804"/>
+                </a:srgbClr>
+              </a:solidFill>
+              <a:prstDash val="sysDot"/>
+            </a:ln>
+          </p:spPr>
+          <p:style>
+            <a:lnRef idx="1">
+              <a:schemeClr val="accent1"/>
+            </a:lnRef>
+            <a:fillRef idx="0">
+              <a:schemeClr val="accent1"/>
+            </a:fillRef>
+            <a:effectRef idx="0">
+              <a:schemeClr val="accent1"/>
+            </a:effectRef>
+            <a:fontRef idx="minor">
+              <a:schemeClr val="tx1"/>
+            </a:fontRef>
+          </p:style>
+        </p:cxnSp>
+        <p:cxnSp>
+          <p:nvCxnSpPr>
+            <p:cNvPr id="27" name="Straight Connector 26">
+              <a:extLst>
+                <a:ext uri="{FF2B5EF4-FFF2-40B4-BE49-F238E27FC236}">
+                  <a16:creationId xmlns:a16="http://schemas.microsoft.com/office/drawing/2014/main" id="{91B68A9D-7921-44B8-8464-E36F028EEAF0}"/>
+                </a:ext>
+                <a:ext uri="{C183D7F6-B498-43B3-948B-1728B52AA6E4}">
+                  <adec:decorative xmlns:adec="http://schemas.microsoft.com/office/drawing/2017/decorative" val="1"/>
+                </a:ext>
+              </a:extLst>
+            </p:cNvPr>
+            <p:cNvCxnSpPr>
+              <a:cxnSpLocks/>
+            </p:cNvCxnSpPr>
+            <p:nvPr>
+              <p:extLst>
+                <p:ext uri="{386F3935-93C4-4BCD-93E2-E3B085C9AB24}">
+                  <p16:designElem xmlns:p16="http://schemas.microsoft.com/office/powerpoint/2015/main" val="1"/>
+                </p:ext>
+              </p:extLst>
+            </p:nvPr>
+          </p:nvCxnSpPr>
+          <p:spPr>
+            <a:xfrm>
+              <a:off x="12185786" y="-1"/>
+              <a:ext cx="0" cy="6858000"/>
+            </a:xfrm>
+            <a:prstGeom prst="line">
+              <a:avLst/>
+            </a:prstGeom>
+            <a:ln w="12700">
+              <a:solidFill>
+                <a:srgbClr val="BCBCBC">
+                  <a:alpha val="29804"/>
+                </a:srgbClr>
+              </a:solidFill>
+              <a:prstDash val="sysDot"/>
+            </a:ln>
+          </p:spPr>
+          <p:style>
+            <a:lnRef idx="1">
+              <a:schemeClr val="accent1"/>
+            </a:lnRef>
+            <a:fillRef idx="0">
+              <a:schemeClr val="accent1"/>
+            </a:fillRef>
+            <a:effectRef idx="0">
+              <a:schemeClr val="accent1"/>
+            </a:effectRef>
+            <a:fontRef idx="minor">
+              <a:schemeClr val="tx1"/>
+            </a:fontRef>
+          </p:style>
+        </p:cxnSp>
+        <p:cxnSp>
+          <p:nvCxnSpPr>
+            <p:cNvPr id="28" name="Straight Connector 27">
+              <a:extLst>
+                <a:ext uri="{FF2B5EF4-FFF2-40B4-BE49-F238E27FC236}">
+                  <a16:creationId xmlns:a16="http://schemas.microsoft.com/office/drawing/2014/main" id="{F68EB3D7-2443-4764-9991-B691C090C0AC}"/>
+                </a:ext>
+                <a:ext uri="{C183D7F6-B498-43B3-948B-1728B52AA6E4}">
+                  <adec:decorative xmlns:adec="http://schemas.microsoft.com/office/drawing/2017/decorative" val="1"/>
+                </a:ext>
+              </a:extLst>
+            </p:cNvPr>
+            <p:cNvCxnSpPr>
+              <a:cxnSpLocks/>
+            </p:cNvCxnSpPr>
+            <p:nvPr>
+              <p:extLst>
+                <p:ext uri="{386F3935-93C4-4BCD-93E2-E3B085C9AB24}">
+                  <p16:designElem xmlns:p16="http://schemas.microsoft.com/office/powerpoint/2015/main" val="1"/>
+                </p:ext>
+              </p:extLst>
+            </p:nvPr>
+          </p:nvCxnSpPr>
+          <p:spPr>
+            <a:xfrm>
+              <a:off x="0" y="171716"/>
+              <a:ext cx="12192000" cy="0"/>
+            </a:xfrm>
+            <a:prstGeom prst="line">
+              <a:avLst/>
+            </a:prstGeom>
+            <a:ln w="12700">
+              <a:solidFill>
+                <a:srgbClr val="BCBCBC">
+                  <a:alpha val="29804"/>
+                </a:srgbClr>
+              </a:solidFill>
+              <a:prstDash val="sysDot"/>
+            </a:ln>
+          </p:spPr>
+          <p:style>
+            <a:lnRef idx="1">
+              <a:schemeClr val="accent1"/>
+            </a:lnRef>
+            <a:fillRef idx="0">
+              <a:schemeClr val="accent1"/>
+            </a:fillRef>
+            <a:effectRef idx="0">
+              <a:schemeClr val="accent1"/>
+            </a:effectRef>
+            <a:fontRef idx="minor">
+              <a:schemeClr val="tx1"/>
+            </a:fontRef>
+          </p:style>
+        </p:cxnSp>
+        <p:cxnSp>
+          <p:nvCxnSpPr>
+            <p:cNvPr id="29" name="Straight Connector 28">
+              <a:extLst>
+                <a:ext uri="{FF2B5EF4-FFF2-40B4-BE49-F238E27FC236}">
+                  <a16:creationId xmlns:a16="http://schemas.microsoft.com/office/drawing/2014/main" id="{DA6128C1-7748-441C-94E4-1874BB57790E}"/>
+                </a:ext>
+                <a:ext uri="{C183D7F6-B498-43B3-948B-1728B52AA6E4}">
+                  <adec:decorative xmlns:adec="http://schemas.microsoft.com/office/drawing/2017/decorative" val="1"/>
+                </a:ext>
+              </a:extLst>
+            </p:cNvPr>
+            <p:cNvCxnSpPr>
+              <a:cxnSpLocks/>
+            </p:cNvCxnSpPr>
+            <p:nvPr>
+              <p:extLst>
+                <p:ext uri="{386F3935-93C4-4BCD-93E2-E3B085C9AB24}">
+                  <p16:designElem xmlns:p16="http://schemas.microsoft.com/office/powerpoint/2015/main" val="1"/>
+                </p:ext>
+              </p:extLst>
+            </p:nvPr>
+          </p:nvCxnSpPr>
+          <p:spPr>
+            <a:xfrm>
+              <a:off x="0" y="714597"/>
+              <a:ext cx="12192000" cy="0"/>
+            </a:xfrm>
+            <a:prstGeom prst="line">
+              <a:avLst/>
+            </a:prstGeom>
+            <a:ln w="12700">
+              <a:solidFill>
+                <a:srgbClr val="BCBCBC">
+                  <a:alpha val="29804"/>
+                </a:srgbClr>
+              </a:solidFill>
+              <a:prstDash val="sysDot"/>
+            </a:ln>
+          </p:spPr>
+          <p:style>
+            <a:lnRef idx="1">
+              <a:schemeClr val="accent1"/>
+            </a:lnRef>
+            <a:fillRef idx="0">
+              <a:schemeClr val="accent1"/>
+            </a:fillRef>
+            <a:effectRef idx="0">
+              <a:schemeClr val="accent1"/>
+            </a:effectRef>
+            <a:fontRef idx="minor">
+              <a:schemeClr val="tx1"/>
+            </a:fontRef>
+          </p:style>
+        </p:cxnSp>
+        <p:cxnSp>
+          <p:nvCxnSpPr>
+            <p:cNvPr id="30" name="Straight Connector 29">
+              <a:extLst>
+                <a:ext uri="{FF2B5EF4-FFF2-40B4-BE49-F238E27FC236}">
+                  <a16:creationId xmlns:a16="http://schemas.microsoft.com/office/drawing/2014/main" id="{8276682F-0434-4D7E-B400-2DF99D969B4C}"/>
+                </a:ext>
+                <a:ext uri="{C183D7F6-B498-43B3-948B-1728B52AA6E4}">
+                  <adec:decorative xmlns:adec="http://schemas.microsoft.com/office/drawing/2017/decorative" val="1"/>
+                </a:ext>
+              </a:extLst>
+            </p:cNvPr>
+            <p:cNvCxnSpPr>
+              <a:cxnSpLocks/>
+            </p:cNvCxnSpPr>
+            <p:nvPr>
+              <p:extLst>
+                <p:ext uri="{386F3935-93C4-4BCD-93E2-E3B085C9AB24}">
+                  <p16:designElem xmlns:p16="http://schemas.microsoft.com/office/powerpoint/2015/main" val="1"/>
+                </p:ext>
+              </p:extLst>
+            </p:nvPr>
+          </p:nvCxnSpPr>
+          <p:spPr>
+            <a:xfrm>
+              <a:off x="0" y="1257478"/>
+              <a:ext cx="12192000" cy="0"/>
+            </a:xfrm>
+            <a:prstGeom prst="line">
+              <a:avLst/>
+            </a:prstGeom>
+            <a:ln w="12700">
+              <a:solidFill>
+                <a:srgbClr val="BCBCBC">
+                  <a:alpha val="29804"/>
+                </a:srgbClr>
+              </a:solidFill>
+              <a:prstDash val="sysDot"/>
+            </a:ln>
+          </p:spPr>
+          <p:style>
+            <a:lnRef idx="1">
+              <a:schemeClr val="accent1"/>
+            </a:lnRef>
+            <a:fillRef idx="0">
+              <a:schemeClr val="accent1"/>
+            </a:fillRef>
+            <a:effectRef idx="0">
+              <a:schemeClr val="accent1"/>
+            </a:effectRef>
+            <a:fontRef idx="minor">
+              <a:schemeClr val="tx1"/>
+            </a:fontRef>
+          </p:style>
+        </p:cxnSp>
+        <p:cxnSp>
+          <p:nvCxnSpPr>
+            <p:cNvPr id="31" name="Straight Connector 30">
+              <a:extLst>
+                <a:ext uri="{FF2B5EF4-FFF2-40B4-BE49-F238E27FC236}">
+                  <a16:creationId xmlns:a16="http://schemas.microsoft.com/office/drawing/2014/main" id="{1CD2F02B-2688-4DCD-9610-1C086528FCC7}"/>
+                </a:ext>
+                <a:ext uri="{C183D7F6-B498-43B3-948B-1728B52AA6E4}">
+                  <adec:decorative xmlns:adec="http://schemas.microsoft.com/office/drawing/2017/decorative" val="1"/>
+                </a:ext>
+              </a:extLst>
+            </p:cNvPr>
+            <p:cNvCxnSpPr>
+              <a:cxnSpLocks/>
+            </p:cNvCxnSpPr>
+            <p:nvPr>
+              <p:extLst>
+                <p:ext uri="{386F3935-93C4-4BCD-93E2-E3B085C9AB24}">
+                  <p16:designElem xmlns:p16="http://schemas.microsoft.com/office/powerpoint/2015/main" val="1"/>
+                </p:ext>
+              </p:extLst>
+            </p:nvPr>
+          </p:nvCxnSpPr>
+          <p:spPr>
+            <a:xfrm>
+              <a:off x="0" y="1800359"/>
+              <a:ext cx="12192000" cy="0"/>
+            </a:xfrm>
+            <a:prstGeom prst="line">
+              <a:avLst/>
+            </a:prstGeom>
+            <a:ln w="12700">
+              <a:solidFill>
+                <a:srgbClr val="BCBCBC">
+                  <a:alpha val="29804"/>
+                </a:srgbClr>
+              </a:solidFill>
+              <a:prstDash val="sysDot"/>
+            </a:ln>
+          </p:spPr>
+          <p:style>
+            <a:lnRef idx="1">
+              <a:schemeClr val="accent1"/>
+            </a:lnRef>
+            <a:fillRef idx="0">
+              <a:schemeClr val="accent1"/>
+            </a:fillRef>
+            <a:effectRef idx="0">
+              <a:schemeClr val="accent1"/>
+            </a:effectRef>
+            <a:fontRef idx="minor">
+              <a:schemeClr val="tx1"/>
+            </a:fontRef>
+          </p:style>
+        </p:cxnSp>
+        <p:cxnSp>
+          <p:nvCxnSpPr>
+            <p:cNvPr id="32" name="Straight Connector 31">
+              <a:extLst>
+                <a:ext uri="{FF2B5EF4-FFF2-40B4-BE49-F238E27FC236}">
+                  <a16:creationId xmlns:a16="http://schemas.microsoft.com/office/drawing/2014/main" id="{0BA0DA4B-915F-4A6D-8368-BE7B53E426CB}"/>
+                </a:ext>
+                <a:ext uri="{C183D7F6-B498-43B3-948B-1728B52AA6E4}">
+                  <adec:decorative xmlns:adec="http://schemas.microsoft.com/office/drawing/2017/decorative" val="1"/>
+                </a:ext>
+              </a:extLst>
+            </p:cNvPr>
+            <p:cNvCxnSpPr>
+              <a:cxnSpLocks/>
+            </p:cNvCxnSpPr>
+            <p:nvPr>
+              <p:extLst>
+                <p:ext uri="{386F3935-93C4-4BCD-93E2-E3B085C9AB24}">
+                  <p16:designElem xmlns:p16="http://schemas.microsoft.com/office/powerpoint/2015/main" val="1"/>
+                </p:ext>
+              </p:extLst>
+            </p:nvPr>
+          </p:nvCxnSpPr>
+          <p:spPr>
+            <a:xfrm>
+              <a:off x="0" y="2343240"/>
+              <a:ext cx="12192000" cy="0"/>
+            </a:xfrm>
+            <a:prstGeom prst="line">
+              <a:avLst/>
+            </a:prstGeom>
+            <a:ln w="12700">
+              <a:solidFill>
+                <a:srgbClr val="BCBCBC">
+                  <a:alpha val="29804"/>
+                </a:srgbClr>
+              </a:solidFill>
+              <a:prstDash val="sysDot"/>
+            </a:ln>
+          </p:spPr>
+          <p:style>
+            <a:lnRef idx="1">
+              <a:schemeClr val="accent1"/>
+            </a:lnRef>
+            <a:fillRef idx="0">
+              <a:schemeClr val="accent1"/>
+            </a:fillRef>
+            <a:effectRef idx="0">
+              <a:schemeClr val="accent1"/>
+            </a:effectRef>
+            <a:fontRef idx="minor">
+              <a:schemeClr val="tx1"/>
+            </a:fontRef>
+          </p:style>
+        </p:cxnSp>
+        <p:cxnSp>
+          <p:nvCxnSpPr>
+            <p:cNvPr id="33" name="Straight Connector 32">
+              <a:extLst>
+                <a:ext uri="{FF2B5EF4-FFF2-40B4-BE49-F238E27FC236}">
+                  <a16:creationId xmlns:a16="http://schemas.microsoft.com/office/drawing/2014/main" id="{601711BC-8D96-4E1F-934B-9E382A617A53}"/>
+                </a:ext>
+                <a:ext uri="{C183D7F6-B498-43B3-948B-1728B52AA6E4}">
+                  <adec:decorative xmlns:adec="http://schemas.microsoft.com/office/drawing/2017/decorative" val="1"/>
+                </a:ext>
+              </a:extLst>
+            </p:cNvPr>
+            <p:cNvCxnSpPr>
+              <a:cxnSpLocks/>
+            </p:cNvCxnSpPr>
+            <p:nvPr>
+              <p:extLst>
+                <p:ext uri="{386F3935-93C4-4BCD-93E2-E3B085C9AB24}">
+                  <p16:designElem xmlns:p16="http://schemas.microsoft.com/office/powerpoint/2015/main" val="1"/>
+                </p:ext>
+              </p:extLst>
+            </p:nvPr>
+          </p:nvCxnSpPr>
+          <p:spPr>
+            <a:xfrm>
+              <a:off x="0" y="2886121"/>
+              <a:ext cx="12192000" cy="0"/>
+            </a:xfrm>
+            <a:prstGeom prst="line">
+              <a:avLst/>
+            </a:prstGeom>
+            <a:ln w="12700">
+              <a:solidFill>
+                <a:srgbClr val="BCBCBC">
+                  <a:alpha val="29804"/>
+                </a:srgbClr>
+              </a:solidFill>
+              <a:prstDash val="sysDot"/>
+            </a:ln>
+          </p:spPr>
+          <p:style>
+            <a:lnRef idx="1">
+              <a:schemeClr val="accent1"/>
+            </a:lnRef>
+            <a:fillRef idx="0">
+              <a:schemeClr val="accent1"/>
+            </a:fillRef>
+            <a:effectRef idx="0">
+              <a:schemeClr val="accent1"/>
+            </a:effectRef>
+            <a:fontRef idx="minor">
+              <a:schemeClr val="tx1"/>
+            </a:fontRef>
+          </p:style>
+        </p:cxnSp>
+        <p:cxnSp>
+          <p:nvCxnSpPr>
+            <p:cNvPr id="34" name="Straight Connector 33">
+              <a:extLst>
+                <a:ext uri="{FF2B5EF4-FFF2-40B4-BE49-F238E27FC236}">
+                  <a16:creationId xmlns:a16="http://schemas.microsoft.com/office/drawing/2014/main" id="{4364551E-CB94-4200-809A-9E33122BA620}"/>
+                </a:ext>
+                <a:ext uri="{C183D7F6-B498-43B3-948B-1728B52AA6E4}">
+                  <adec:decorative xmlns:adec="http://schemas.microsoft.com/office/drawing/2017/decorative" val="1"/>
+                </a:ext>
+              </a:extLst>
+            </p:cNvPr>
+            <p:cNvCxnSpPr>
+              <a:cxnSpLocks/>
+            </p:cNvCxnSpPr>
+            <p:nvPr>
+              <p:extLst>
+                <p:ext uri="{386F3935-93C4-4BCD-93E2-E3B085C9AB24}">
+                  <p16:designElem xmlns:p16="http://schemas.microsoft.com/office/powerpoint/2015/main" val="1"/>
+                </p:ext>
+              </p:extLst>
+            </p:nvPr>
+          </p:nvCxnSpPr>
+          <p:spPr>
+            <a:xfrm>
+              <a:off x="0" y="3429002"/>
+              <a:ext cx="12192000" cy="0"/>
+            </a:xfrm>
+            <a:prstGeom prst="line">
+              <a:avLst/>
+            </a:prstGeom>
+            <a:ln w="12700">
+              <a:solidFill>
+                <a:srgbClr val="BCBCBC">
+                  <a:alpha val="29804"/>
+                </a:srgbClr>
+              </a:solidFill>
+              <a:prstDash val="sysDot"/>
+            </a:ln>
+          </p:spPr>
+          <p:style>
+            <a:lnRef idx="1">
+              <a:schemeClr val="accent1"/>
+            </a:lnRef>
+            <a:fillRef idx="0">
+              <a:schemeClr val="accent1"/>
+            </a:fillRef>
+            <a:effectRef idx="0">
+              <a:schemeClr val="accent1"/>
+            </a:effectRef>
+            <a:fontRef idx="minor">
+              <a:schemeClr val="tx1"/>
+            </a:fontRef>
+          </p:style>
+        </p:cxnSp>
+        <p:cxnSp>
+          <p:nvCxnSpPr>
+            <p:cNvPr id="35" name="Straight Connector 34">
+              <a:extLst>
+                <a:ext uri="{FF2B5EF4-FFF2-40B4-BE49-F238E27FC236}">
+                  <a16:creationId xmlns:a16="http://schemas.microsoft.com/office/drawing/2014/main" id="{464389BE-74F0-4F54-9DE0-2BCB33C78FA0}"/>
+                </a:ext>
+                <a:ext uri="{C183D7F6-B498-43B3-948B-1728B52AA6E4}">
+                  <adec:decorative xmlns:adec="http://schemas.microsoft.com/office/drawing/2017/decorative" val="1"/>
+                </a:ext>
+              </a:extLst>
+            </p:cNvPr>
+            <p:cNvCxnSpPr>
+              <a:cxnSpLocks/>
+            </p:cNvCxnSpPr>
+            <p:nvPr>
+              <p:extLst>
+                <p:ext uri="{386F3935-93C4-4BCD-93E2-E3B085C9AB24}">
+                  <p16:designElem xmlns:p16="http://schemas.microsoft.com/office/powerpoint/2015/main" val="1"/>
+                </p:ext>
+              </p:extLst>
+            </p:nvPr>
+          </p:nvCxnSpPr>
+          <p:spPr>
+            <a:xfrm>
+              <a:off x="0" y="3971883"/>
+              <a:ext cx="12192000" cy="0"/>
+            </a:xfrm>
+            <a:prstGeom prst="line">
+              <a:avLst/>
+            </a:prstGeom>
+            <a:ln w="12700">
+              <a:solidFill>
+                <a:srgbClr val="BCBCBC">
+                  <a:alpha val="29804"/>
+                </a:srgbClr>
+              </a:solidFill>
+              <a:prstDash val="sysDot"/>
+            </a:ln>
+          </p:spPr>
+          <p:style>
+            <a:lnRef idx="1">
+              <a:schemeClr val="accent1"/>
+            </a:lnRef>
+            <a:fillRef idx="0">
+              <a:schemeClr val="accent1"/>
+            </a:fillRef>
+            <a:effectRef idx="0">
+              <a:schemeClr val="accent1"/>
+            </a:effectRef>
+            <a:fontRef idx="minor">
+              <a:schemeClr val="tx1"/>
+            </a:fontRef>
+          </p:style>
+        </p:cxnSp>
+        <p:cxnSp>
+          <p:nvCxnSpPr>
+            <p:cNvPr id="36" name="Straight Connector 35">
+              <a:extLst>
+                <a:ext uri="{FF2B5EF4-FFF2-40B4-BE49-F238E27FC236}">
+                  <a16:creationId xmlns:a16="http://schemas.microsoft.com/office/drawing/2014/main" id="{26721F72-5343-46B1-AFC1-6DF4FF7710D3}"/>
+                </a:ext>
+                <a:ext uri="{C183D7F6-B498-43B3-948B-1728B52AA6E4}">
+                  <adec:decorative xmlns:adec="http://schemas.microsoft.com/office/drawing/2017/decorative" val="1"/>
+                </a:ext>
+              </a:extLst>
+            </p:cNvPr>
+            <p:cNvCxnSpPr>
+              <a:cxnSpLocks/>
+            </p:cNvCxnSpPr>
+            <p:nvPr>
+              <p:extLst>
+                <p:ext uri="{386F3935-93C4-4BCD-93E2-E3B085C9AB24}">
+                  <p16:designElem xmlns:p16="http://schemas.microsoft.com/office/powerpoint/2015/main" val="1"/>
+                </p:ext>
+              </p:extLst>
+            </p:nvPr>
+          </p:nvCxnSpPr>
+          <p:spPr>
+            <a:xfrm>
+              <a:off x="0" y="4514764"/>
+              <a:ext cx="12192000" cy="0"/>
+            </a:xfrm>
+            <a:prstGeom prst="line">
+              <a:avLst/>
+            </a:prstGeom>
+            <a:ln w="12700">
+              <a:solidFill>
+                <a:srgbClr val="BCBCBC">
+                  <a:alpha val="29804"/>
+                </a:srgbClr>
+              </a:solidFill>
+              <a:prstDash val="sysDot"/>
+            </a:ln>
+          </p:spPr>
+          <p:style>
+            <a:lnRef idx="1">
+              <a:schemeClr val="accent1"/>
+            </a:lnRef>
+            <a:fillRef idx="0">
+              <a:schemeClr val="accent1"/>
+            </a:fillRef>
+            <a:effectRef idx="0">
+              <a:schemeClr val="accent1"/>
+            </a:effectRef>
+            <a:fontRef idx="minor">
+              <a:schemeClr val="tx1"/>
+            </a:fontRef>
+          </p:style>
+        </p:cxnSp>
+        <p:cxnSp>
+          <p:nvCxnSpPr>
+            <p:cNvPr id="37" name="Straight Connector 36">
+              <a:extLst>
+                <a:ext uri="{FF2B5EF4-FFF2-40B4-BE49-F238E27FC236}">
+                  <a16:creationId xmlns:a16="http://schemas.microsoft.com/office/drawing/2014/main" id="{D4A528A6-14EE-4010-93CB-95F75CB96EAE}"/>
+                </a:ext>
+                <a:ext uri="{C183D7F6-B498-43B3-948B-1728B52AA6E4}">
+                  <adec:decorative xmlns:adec="http://schemas.microsoft.com/office/drawing/2017/decorative" val="1"/>
+                </a:ext>
+              </a:extLst>
+            </p:cNvPr>
+            <p:cNvCxnSpPr>
+              <a:cxnSpLocks/>
+            </p:cNvCxnSpPr>
+            <p:nvPr>
+              <p:extLst>
+                <p:ext uri="{386F3935-93C4-4BCD-93E2-E3B085C9AB24}">
+                  <p16:designElem xmlns:p16="http://schemas.microsoft.com/office/powerpoint/2015/main" val="1"/>
+                </p:ext>
+              </p:extLst>
+            </p:nvPr>
+          </p:nvCxnSpPr>
+          <p:spPr>
+            <a:xfrm>
+              <a:off x="0" y="5057645"/>
+              <a:ext cx="12192000" cy="0"/>
+            </a:xfrm>
+            <a:prstGeom prst="line">
+              <a:avLst/>
+            </a:prstGeom>
+            <a:ln w="12700">
+              <a:solidFill>
+                <a:srgbClr val="BCBCBC">
+                  <a:alpha val="29804"/>
+                </a:srgbClr>
+              </a:solidFill>
+              <a:prstDash val="sysDot"/>
+            </a:ln>
+          </p:spPr>
+          <p:style>
+            <a:lnRef idx="1">
+              <a:schemeClr val="accent1"/>
+            </a:lnRef>
+            <a:fillRef idx="0">
+              <a:schemeClr val="accent1"/>
+            </a:fillRef>
+            <a:effectRef idx="0">
+              <a:schemeClr val="accent1"/>
+            </a:effectRef>
+            <a:fontRef idx="minor">
+              <a:schemeClr val="tx1"/>
+            </a:fontRef>
+          </p:style>
+        </p:cxnSp>
+        <p:cxnSp>
+          <p:nvCxnSpPr>
+            <p:cNvPr id="38" name="Straight Connector 37">
+              <a:extLst>
+                <a:ext uri="{FF2B5EF4-FFF2-40B4-BE49-F238E27FC236}">
+                  <a16:creationId xmlns:a16="http://schemas.microsoft.com/office/drawing/2014/main" id="{9186140D-084D-4621-A556-65927AB449FD}"/>
+                </a:ext>
+                <a:ext uri="{C183D7F6-B498-43B3-948B-1728B52AA6E4}">
+                  <adec:decorative xmlns:adec="http://schemas.microsoft.com/office/drawing/2017/decorative" val="1"/>
+                </a:ext>
+              </a:extLst>
+            </p:cNvPr>
+            <p:cNvCxnSpPr>
+              <a:cxnSpLocks/>
+            </p:cNvCxnSpPr>
+            <p:nvPr>
+              <p:extLst>
+                <p:ext uri="{386F3935-93C4-4BCD-93E2-E3B085C9AB24}">
+                  <p16:designElem xmlns:p16="http://schemas.microsoft.com/office/powerpoint/2015/main" val="1"/>
+                </p:ext>
+              </p:extLst>
+            </p:nvPr>
+          </p:nvCxnSpPr>
+          <p:spPr>
+            <a:xfrm>
+              <a:off x="0" y="5600526"/>
+              <a:ext cx="12192000" cy="0"/>
+            </a:xfrm>
+            <a:prstGeom prst="line">
+              <a:avLst/>
+            </a:prstGeom>
+            <a:ln w="12700">
+              <a:solidFill>
+                <a:srgbClr val="BCBCBC">
+                  <a:alpha val="29804"/>
+                </a:srgbClr>
+              </a:solidFill>
+              <a:prstDash val="sysDot"/>
+            </a:ln>
+          </p:spPr>
+          <p:style>
+            <a:lnRef idx="1">
+              <a:schemeClr val="accent1"/>
+            </a:lnRef>
+            <a:fillRef idx="0">
+              <a:schemeClr val="accent1"/>
+            </a:fillRef>
+            <a:effectRef idx="0">
+              <a:schemeClr val="accent1"/>
+            </a:effectRef>
+            <a:fontRef idx="minor">
+              <a:schemeClr val="tx1"/>
+            </a:fontRef>
+          </p:style>
+        </p:cxnSp>
+        <p:cxnSp>
+          <p:nvCxnSpPr>
+            <p:cNvPr id="39" name="Straight Connector 38">
+              <a:extLst>
+                <a:ext uri="{FF2B5EF4-FFF2-40B4-BE49-F238E27FC236}">
+                  <a16:creationId xmlns:a16="http://schemas.microsoft.com/office/drawing/2014/main" id="{A2049A17-7EE3-4BEF-B630-AD0AB020E6AB}"/>
+                </a:ext>
+                <a:ext uri="{C183D7F6-B498-43B3-948B-1728B52AA6E4}">
+                  <adec:decorative xmlns:adec="http://schemas.microsoft.com/office/drawing/2017/decorative" val="1"/>
+                </a:ext>
+              </a:extLst>
+            </p:cNvPr>
+            <p:cNvCxnSpPr>
+              <a:cxnSpLocks/>
+            </p:cNvCxnSpPr>
+            <p:nvPr>
+              <p:extLst>
+                <p:ext uri="{386F3935-93C4-4BCD-93E2-E3B085C9AB24}">
+                  <p16:designElem xmlns:p16="http://schemas.microsoft.com/office/powerpoint/2015/main" val="1"/>
+                </p:ext>
+              </p:extLst>
+            </p:nvPr>
+          </p:nvCxnSpPr>
+          <p:spPr>
+            <a:xfrm>
+              <a:off x="0" y="6857999"/>
+              <a:ext cx="12192000" cy="0"/>
+            </a:xfrm>
+            <a:prstGeom prst="line">
+              <a:avLst/>
+            </a:prstGeom>
+            <a:ln w="12700">
+              <a:solidFill>
+                <a:srgbClr val="BCBCBC">
+                  <a:alpha val="29804"/>
+                </a:srgbClr>
+              </a:solidFill>
+              <a:prstDash val="sysDot"/>
+            </a:ln>
+          </p:spPr>
+          <p:style>
+            <a:lnRef idx="1">
+              <a:schemeClr val="accent1"/>
+            </a:lnRef>
+            <a:fillRef idx="0">
+              <a:schemeClr val="accent1"/>
+            </a:fillRef>
+            <a:effectRef idx="0">
+              <a:schemeClr val="accent1"/>
+            </a:effectRef>
+            <a:fontRef idx="minor">
+              <a:schemeClr val="tx1"/>
+            </a:fontRef>
+          </p:style>
+        </p:cxnSp>
+        <p:cxnSp>
+          <p:nvCxnSpPr>
+            <p:cNvPr id="40" name="Straight Connector 39">
+              <a:extLst>
+                <a:ext uri="{FF2B5EF4-FFF2-40B4-BE49-F238E27FC236}">
+                  <a16:creationId xmlns:a16="http://schemas.microsoft.com/office/drawing/2014/main" id="{0223B596-7D86-4AF3-AE7E-A696FEF1140D}"/>
+                </a:ext>
+                <a:ext uri="{C183D7F6-B498-43B3-948B-1728B52AA6E4}">
+                  <adec:decorative xmlns:adec="http://schemas.microsoft.com/office/drawing/2017/decorative" val="1"/>
+                </a:ext>
+              </a:extLst>
+            </p:cNvPr>
+            <p:cNvCxnSpPr>
+              <a:cxnSpLocks/>
+            </p:cNvCxnSpPr>
+            <p:nvPr>
+              <p:extLst>
+                <p:ext uri="{386F3935-93C4-4BCD-93E2-E3B085C9AB24}">
+                  <p16:designElem xmlns:p16="http://schemas.microsoft.com/office/powerpoint/2015/main" val="1"/>
+                </p:ext>
+              </p:extLst>
+            </p:nvPr>
+          </p:nvCxnSpPr>
+          <p:spPr>
+            <a:xfrm>
+              <a:off x="16613" y="6143407"/>
+              <a:ext cx="12192000" cy="0"/>
+            </a:xfrm>
+            <a:prstGeom prst="line">
+              <a:avLst/>
+            </a:prstGeom>
+            <a:ln w="12700">
+              <a:solidFill>
+                <a:srgbClr val="BCBCBC">
+                  <a:alpha val="29804"/>
+                </a:srgbClr>
+              </a:solidFill>
+              <a:prstDash val="sysDot"/>
+            </a:ln>
+          </p:spPr>
+          <p:style>
+            <a:lnRef idx="1">
+              <a:schemeClr val="accent1"/>
+            </a:lnRef>
+            <a:fillRef idx="0">
+              <a:schemeClr val="accent1"/>
+            </a:fillRef>
+            <a:effectRef idx="0">
+              <a:schemeClr val="accent1"/>
+            </a:effectRef>
+            <a:fontRef idx="minor">
+              <a:schemeClr val="tx1"/>
+            </a:fontRef>
+          </p:style>
+        </p:cxnSp>
+        <p:cxnSp>
+          <p:nvCxnSpPr>
+            <p:cNvPr id="41" name="Straight Connector 40">
+              <a:extLst>
+                <a:ext uri="{FF2B5EF4-FFF2-40B4-BE49-F238E27FC236}">
+                  <a16:creationId xmlns:a16="http://schemas.microsoft.com/office/drawing/2014/main" id="{3F7FC8FA-C1DE-4F38-BCDA-464A54783EF8}"/>
+                </a:ext>
+                <a:ext uri="{C183D7F6-B498-43B3-948B-1728B52AA6E4}">
+                  <adec:decorative xmlns:adec="http://schemas.microsoft.com/office/drawing/2017/decorative" val="1"/>
+                </a:ext>
+              </a:extLst>
+            </p:cNvPr>
+            <p:cNvCxnSpPr>
+              <a:cxnSpLocks/>
+            </p:cNvCxnSpPr>
+            <p:nvPr>
+              <p:extLst>
+                <p:ext uri="{386F3935-93C4-4BCD-93E2-E3B085C9AB24}">
+                  <p16:designElem xmlns:p16="http://schemas.microsoft.com/office/powerpoint/2015/main" val="1"/>
+                </p:ext>
+              </p:extLst>
+            </p:nvPr>
+          </p:nvCxnSpPr>
+          <p:spPr>
+            <a:xfrm>
+              <a:off x="684225" y="171716"/>
+              <a:ext cx="0" cy="6511464"/>
+            </a:xfrm>
+            <a:prstGeom prst="line">
+              <a:avLst/>
+            </a:prstGeom>
+            <a:ln w="12700">
+              <a:solidFill>
+                <a:srgbClr val="BCBCBC">
+                  <a:alpha val="29804"/>
+                </a:srgbClr>
+              </a:solidFill>
+              <a:prstDash val="sysDot"/>
+            </a:ln>
+          </p:spPr>
+          <p:style>
+            <a:lnRef idx="1">
+              <a:schemeClr val="accent1"/>
+            </a:lnRef>
+            <a:fillRef idx="0">
+              <a:schemeClr val="accent1"/>
+            </a:fillRef>
+            <a:effectRef idx="0">
+              <a:schemeClr val="accent1"/>
+            </a:effectRef>
+            <a:fontRef idx="minor">
+              <a:schemeClr val="tx1"/>
+            </a:fontRef>
+          </p:style>
+        </p:cxnSp>
+        <p:cxnSp>
+          <p:nvCxnSpPr>
+            <p:cNvPr id="42" name="Straight Connector 41">
+              <a:extLst>
+                <a:ext uri="{FF2B5EF4-FFF2-40B4-BE49-F238E27FC236}">
+                  <a16:creationId xmlns:a16="http://schemas.microsoft.com/office/drawing/2014/main" id="{B5BEFE2E-F050-46F9-BAD0-939F37AA992F}"/>
+                </a:ext>
+                <a:ext uri="{C183D7F6-B498-43B3-948B-1728B52AA6E4}">
+                  <adec:decorative xmlns:adec="http://schemas.microsoft.com/office/drawing/2017/decorative" val="1"/>
+                </a:ext>
+              </a:extLst>
+            </p:cNvPr>
+            <p:cNvCxnSpPr>
+              <a:cxnSpLocks/>
+            </p:cNvCxnSpPr>
+            <p:nvPr>
+              <p:extLst>
+                <p:ext uri="{386F3935-93C4-4BCD-93E2-E3B085C9AB24}">
+                  <p16:designElem xmlns:p16="http://schemas.microsoft.com/office/powerpoint/2015/main" val="1"/>
+                </p:ext>
+              </p:extLst>
+            </p:nvPr>
+          </p:nvCxnSpPr>
+          <p:spPr>
+            <a:xfrm>
+              <a:off x="11508412" y="173267"/>
+              <a:ext cx="0" cy="6511464"/>
+            </a:xfrm>
+            <a:prstGeom prst="line">
+              <a:avLst/>
+            </a:prstGeom>
+            <a:ln w="12700">
+              <a:solidFill>
+                <a:srgbClr val="BCBCBC">
+                  <a:alpha val="29804"/>
+                </a:srgbClr>
+              </a:solidFill>
+              <a:prstDash val="sysDot"/>
+            </a:ln>
+          </p:spPr>
+          <p:style>
+            <a:lnRef idx="1">
+              <a:schemeClr val="accent1"/>
+            </a:lnRef>
+            <a:fillRef idx="0">
+              <a:schemeClr val="accent1"/>
+            </a:fillRef>
+            <a:effectRef idx="0">
+              <a:schemeClr val="accent1"/>
+            </a:effectRef>
+            <a:fontRef idx="minor">
+              <a:schemeClr val="tx1"/>
+            </a:fontRef>
+          </p:style>
+        </p:cxnSp>
+      </p:grpSp>
+      <p:sp>
+        <p:nvSpPr>
+          <p:cNvPr id="44" name="Right Triangle 43">
+            <a:extLst>
+              <a:ext uri="{FF2B5EF4-FFF2-40B4-BE49-F238E27FC236}">
+                <a16:creationId xmlns:a16="http://schemas.microsoft.com/office/drawing/2014/main" id="{63D6C682-FD57-4DF7-854F-DD140E1E29B3}"/>
+              </a:ext>
+              <a:ext uri="{C183D7F6-B498-43B3-948B-1728B52AA6E4}">
+                <adec:decorative xmlns:adec="http://schemas.microsoft.com/office/drawing/2017/decorative" val="1"/>
+              </a:ext>
+            </a:extLst>
+          </p:cNvPr>
+          <p:cNvSpPr>
+            <a:spLocks noGrp="1" noRot="1" noChangeAspect="1" noMove="1" noResize="1" noEditPoints="1" noAdjustHandles="1" noChangeArrowheads="1" noChangeShapeType="1" noTextEdit="1"/>
+          </p:cNvSpPr>
+          <p:nvPr>
+            <p:extLst>
+              <p:ext uri="{386F3935-93C4-4BCD-93E2-E3B085C9AB24}">
+                <p16:designElem xmlns:p16="http://schemas.microsoft.com/office/powerpoint/2015/main" val="1"/>
+              </p:ext>
+            </p:extLst>
+          </p:nvPr>
+        </p:nvSpPr>
+        <p:spPr>
+          <a:xfrm rot="13500000">
+            <a:off x="-284142" y="1516213"/>
+            <a:ext cx="568289" cy="568289"/>
+          </a:xfrm>
+          <a:prstGeom prst="rtTriangle">
+            <a:avLst/>
+          </a:prstGeom>
+          <a:solidFill>
+            <a:schemeClr val="accent1">
+              <a:alpha val="50000"/>
+            </a:schemeClr>
+          </a:solidFill>
+          <a:ln>
+            <a:noFill/>
+          </a:ln>
+        </p:spPr>
+        <p:style>
+          <a:lnRef idx="2">
+            <a:schemeClr val="accent1">
+              <a:shade val="50000"/>
+            </a:schemeClr>
+          </a:lnRef>
+          <a:fillRef idx="1">
+            <a:schemeClr val="accent1"/>
+          </a:fillRef>
+          <a:effectRef idx="0">
+            <a:schemeClr val="accent1"/>
+          </a:effectRef>
+          <a:fontRef idx="minor">
+            <a:schemeClr val="lt1"/>
+          </a:fontRef>
+        </p:style>
+        <p:txBody>
+          <a:bodyPr rtlCol="0" anchor="ctr"/>
+          <a:lstStyle/>
+          <a:p>
+            <a:pPr marL="0" marR="0" lvl="0" indent="0" algn="ctr" defTabSz="914400" rtl="0" eaLnBrk="1" fontAlgn="auto" latinLnBrk="0" hangingPunct="1">
+              <a:lnSpc>
+                <a:spcPct val="100000"/>
+              </a:lnSpc>
+              <a:spcBef>
+                <a:spcPts val="0"/>
+              </a:spcBef>
+              <a:spcAft>
+                <a:spcPts val="0"/>
+              </a:spcAft>
+              <a:buClrTx/>
+              <a:buSzTx/>
+              <a:buFontTx/>
+              <a:buNone/>
+              <a:tabLst/>
+              <a:defRPr/>
+            </a:pPr>
+            <a:endParaRPr kumimoji="0" lang="en-US" sz="1800" b="0" i="0" u="none" strike="noStrike" kern="1200" cap="none" spc="0" normalizeH="0" baseline="0" noProof="0">
+              <a:ln>
+                <a:noFill/>
+              </a:ln>
+              <a:solidFill>
+                <a:srgbClr val="000000"/>
+              </a:solidFill>
+              <a:effectLst/>
+              <a:uLnTx/>
+              <a:uFillTx/>
+              <a:latin typeface="Grandview"/>
+              <a:ea typeface="+mn-ea"/>
+              <a:cs typeface="+mn-cs"/>
+            </a:endParaRPr>
+          </a:p>
+        </p:txBody>
+      </p:sp>
+      <p:sp>
+        <p:nvSpPr>
+          <p:cNvPr id="2" name="Title 1">
+            <a:extLst>
+              <a:ext uri="{FF2B5EF4-FFF2-40B4-BE49-F238E27FC236}">
+                <a16:creationId xmlns:a16="http://schemas.microsoft.com/office/drawing/2014/main" id="{CD9E9A87-428E-E0CB-593B-C3AE592D06DC}"/>
+              </a:ext>
+            </a:extLst>
+          </p:cNvPr>
+          <p:cNvSpPr>
+            <a:spLocks noGrp="1"/>
+          </p:cNvSpPr>
+          <p:nvPr>
+            <p:ph type="title"/>
+          </p:nvPr>
+        </p:nvSpPr>
+        <p:spPr>
+          <a:xfrm>
+            <a:off x="691079" y="725951"/>
+            <a:ext cx="10325000" cy="1380515"/>
+          </a:xfrm>
+        </p:spPr>
+        <p:txBody>
+          <a:bodyPr>
+            <a:normAutofit/>
+          </a:bodyPr>
+          <a:lstStyle/>
+          <a:p>
+            <a:pPr>
+              <a:lnSpc>
+                <a:spcPct val="90000"/>
+              </a:lnSpc>
+            </a:pPr>
+            <a:r>
+              <a:rPr lang="en-US" dirty="0"/>
+              <a:t>Roles and Responsibilities and contributions</a:t>
+            </a:r>
+          </a:p>
+        </p:txBody>
+      </p:sp>
+      <p:graphicFrame>
+        <p:nvGraphicFramePr>
+          <p:cNvPr id="5" name="Content Placeholder 2">
+            <a:extLst>
+              <a:ext uri="{FF2B5EF4-FFF2-40B4-BE49-F238E27FC236}">
+                <a16:creationId xmlns:a16="http://schemas.microsoft.com/office/drawing/2014/main" id="{6C9311FF-7913-8A82-6897-FEFF84E48257}"/>
+              </a:ext>
+            </a:extLst>
+          </p:cNvPr>
+          <p:cNvGraphicFramePr>
+            <a:graphicFrameLocks noGrp="1"/>
+          </p:cNvGraphicFramePr>
+          <p:nvPr>
+            <p:ph idx="1"/>
+            <p:extLst>
+              <p:ext uri="{D42A27DB-BD31-4B8C-83A1-F6EECF244321}">
+                <p14:modId xmlns:p14="http://schemas.microsoft.com/office/powerpoint/2010/main" val="2182357614"/>
+              </p:ext>
+            </p:extLst>
+          </p:nvPr>
+        </p:nvGraphicFramePr>
+        <p:xfrm>
+          <a:off x="690562" y="2339975"/>
+          <a:ext cx="11110166" cy="3800328"/>
+        </p:xfrm>
+        <a:graphic>
+          <a:graphicData uri="http://schemas.openxmlformats.org/drawingml/2006/diagram">
+            <dgm:relIds xmlns:dgm="http://schemas.openxmlformats.org/drawingml/2006/diagram" xmlns:r="http://schemas.openxmlformats.org/officeDocument/2006/relationships" r:dm="rId2" r:lo="rId3" r:qs="rId4" r:cs="rId5"/>
+          </a:graphicData>
+        </a:graphic>
+      </p:graphicFrame>
+    </p:spTree>
+    <p:extLst>
+      <p:ext uri="{BB962C8B-B14F-4D97-AF65-F5344CB8AC3E}">
+        <p14:creationId xmlns:p14="http://schemas.microsoft.com/office/powerpoint/2010/main" val="2420137175"/>
       </p:ext>
     </p:extLst>
   </p:cSld>
